--- a/Teams/MyShop/MyShop.pptx
+++ b/Teams/MyShop/MyShop.pptx
@@ -7,6 +7,7 @@
   <p:sldIdLst>
     <p:sldId id="258" r:id="rId2"/>
     <p:sldId id="260" r:id="rId3"/>
+    <p:sldId id="261" r:id="rId4"/>
   </p:sldIdLst>
   <p:sldSz cx="12192000" cy="6858000"/>
   <p:notesSz cx="6858000" cy="9144000"/>
@@ -5974,6 +5975,869 @@
 </p:sld>
 </file>
 
+<file path=ppt/slides/slide3.xml><?xml version="1.0" encoding="utf-8"?>
+<p:sld xmlns:a="http://schemas.openxmlformats.org/drawingml/2006/main" xmlns:r="http://schemas.openxmlformats.org/officeDocument/2006/relationships" xmlns:p="http://schemas.openxmlformats.org/presentationml/2006/main">
+  <p:cSld>
+    <p:spTree>
+      <p:nvGrpSpPr>
+        <p:cNvPr id="1" name=""/>
+        <p:cNvGrpSpPr/>
+        <p:nvPr/>
+      </p:nvGrpSpPr>
+      <p:grpSpPr>
+        <a:xfrm>
+          <a:off x="0" y="0"/>
+          <a:ext cx="0" cy="0"/>
+          <a:chOff x="0" y="0"/>
+          <a:chExt cx="0" cy="0"/>
+        </a:xfrm>
+      </p:grpSpPr>
+      <p:sp>
+        <p:nvSpPr>
+          <p:cNvPr id="2" name="Title 1">
+            <a:extLst>
+              <a:ext uri="{FF2B5EF4-FFF2-40B4-BE49-F238E27FC236}">
+                <a16:creationId xmlns:a16="http://schemas.microsoft.com/office/drawing/2014/main" id="{8D69E707-A725-4F0D-ADF5-AD6294F2A8C8}"/>
+              </a:ext>
+            </a:extLst>
+          </p:cNvPr>
+          <p:cNvSpPr>
+            <a:spLocks noGrp="1"/>
+          </p:cNvSpPr>
+          <p:nvPr>
+            <p:ph type="ctrTitle"/>
+          </p:nvPr>
+        </p:nvSpPr>
+        <p:spPr>
+          <a:xfrm>
+            <a:off x="828978" y="296176"/>
+            <a:ext cx="4497887" cy="876751"/>
+          </a:xfrm>
+        </p:spPr>
+        <p:txBody>
+          <a:bodyPr>
+            <a:normAutofit/>
+          </a:bodyPr>
+          <a:lstStyle/>
+          <a:p>
+            <a:pPr algn="l"/>
+            <a:r>
+              <a:rPr lang="en-US" sz="5400" dirty="0" err="1"/>
+              <a:t>MyShop</a:t>
+            </a:r>
+            <a:r>
+              <a:rPr lang="en-US" sz="5400" dirty="0"/>
+              <a:t> </a:t>
+            </a:r>
+            <a:r>
+              <a:rPr lang="en-US" sz="5400" dirty="0" err="1"/>
+              <a:t>PoC</a:t>
+            </a:r>
+            <a:r>
+              <a:rPr lang="en-US" sz="5400" dirty="0"/>
+              <a:t>:</a:t>
+            </a:r>
+          </a:p>
+        </p:txBody>
+      </p:sp>
+      <p:cxnSp>
+        <p:nvCxnSpPr>
+          <p:cNvPr id="13" name="Straight Connector 12">
+            <a:extLst>
+              <a:ext uri="{FF2B5EF4-FFF2-40B4-BE49-F238E27FC236}">
+                <a16:creationId xmlns:a16="http://schemas.microsoft.com/office/drawing/2014/main" id="{E550F14F-6D98-4FB4-91FB-6A3FFBDCA757}"/>
+              </a:ext>
+            </a:extLst>
+          </p:cNvPr>
+          <p:cNvCxnSpPr>
+            <a:cxnSpLocks/>
+          </p:cNvCxnSpPr>
+          <p:nvPr/>
+        </p:nvCxnSpPr>
+        <p:spPr>
+          <a:xfrm>
+            <a:off x="3246540" y="3738175"/>
+            <a:ext cx="1921081" cy="0"/>
+          </a:xfrm>
+          <a:prstGeom prst="line">
+            <a:avLst/>
+          </a:prstGeom>
+        </p:spPr>
+        <p:style>
+          <a:lnRef idx="3">
+            <a:schemeClr val="dk1"/>
+          </a:lnRef>
+          <a:fillRef idx="0">
+            <a:schemeClr val="dk1"/>
+          </a:fillRef>
+          <a:effectRef idx="2">
+            <a:schemeClr val="dk1"/>
+          </a:effectRef>
+          <a:fontRef idx="minor">
+            <a:schemeClr val="tx1"/>
+          </a:fontRef>
+        </p:style>
+      </p:cxnSp>
+      <p:pic>
+        <p:nvPicPr>
+          <p:cNvPr id="8" name="Graphic 7" descr="Head with gears">
+            <a:extLst>
+              <a:ext uri="{FF2B5EF4-FFF2-40B4-BE49-F238E27FC236}">
+                <a16:creationId xmlns:a16="http://schemas.microsoft.com/office/drawing/2014/main" id="{899A5AB7-2773-4389-85E5-93E2DCD016FB}"/>
+              </a:ext>
+            </a:extLst>
+          </p:cNvPr>
+          <p:cNvPicPr>
+            <a:picLocks noChangeAspect="1"/>
+          </p:cNvPicPr>
+          <p:nvPr/>
+        </p:nvPicPr>
+        <p:blipFill>
+          <a:blip r:embed="rId2">
+            <a:extLst>
+              <a:ext uri="{28A0092B-C50C-407E-A947-70E740481C1C}">
+                <a14:useLocalDpi xmlns:a14="http://schemas.microsoft.com/office/drawing/2010/main" val="0"/>
+              </a:ext>
+              <a:ext uri="{96DAC541-7B7A-43D3-8B79-37D633B846F1}">
+                <asvg:svgBlip xmlns:asvg="http://schemas.microsoft.com/office/drawing/2016/SVG/main" r:embed="rId3"/>
+              </a:ext>
+            </a:extLst>
+          </a:blip>
+          <a:stretch>
+            <a:fillRect/>
+          </a:stretch>
+        </p:blipFill>
+        <p:spPr>
+          <a:xfrm>
+            <a:off x="3948154" y="3133696"/>
+            <a:ext cx="462628" cy="462628"/>
+          </a:xfrm>
+          <a:prstGeom prst="rect">
+            <a:avLst/>
+          </a:prstGeom>
+        </p:spPr>
+      </p:pic>
+      <p:pic>
+        <p:nvPicPr>
+          <p:cNvPr id="47" name="Graphic 46" descr="Camera">
+            <a:extLst>
+              <a:ext uri="{FF2B5EF4-FFF2-40B4-BE49-F238E27FC236}">
+                <a16:creationId xmlns:a16="http://schemas.microsoft.com/office/drawing/2014/main" id="{BA1FC891-0F16-4773-AEF9-8E8E28E0D955}"/>
+              </a:ext>
+            </a:extLst>
+          </p:cNvPr>
+          <p:cNvPicPr>
+            <a:picLocks noChangeAspect="1"/>
+          </p:cNvPicPr>
+          <p:nvPr/>
+        </p:nvPicPr>
+        <p:blipFill>
+          <a:blip r:embed="rId4">
+            <a:extLst>
+              <a:ext uri="{28A0092B-C50C-407E-A947-70E740481C1C}">
+                <a14:useLocalDpi xmlns:a14="http://schemas.microsoft.com/office/drawing/2010/main" val="0"/>
+              </a:ext>
+              <a:ext uri="{96DAC541-7B7A-43D3-8B79-37D633B846F1}">
+                <asvg:svgBlip xmlns:asvg="http://schemas.microsoft.com/office/drawing/2016/SVG/main" r:embed="rId5"/>
+              </a:ext>
+            </a:extLst>
+          </a:blip>
+          <a:stretch>
+            <a:fillRect/>
+          </a:stretch>
+        </p:blipFill>
+        <p:spPr>
+          <a:xfrm>
+            <a:off x="2559757" y="3517296"/>
+            <a:ext cx="441758" cy="441758"/>
+          </a:xfrm>
+          <a:prstGeom prst="rect">
+            <a:avLst/>
+          </a:prstGeom>
+        </p:spPr>
+      </p:pic>
+      <p:sp>
+        <p:nvSpPr>
+          <p:cNvPr id="10" name="Rectangle 9">
+            <a:extLst>
+              <a:ext uri="{FF2B5EF4-FFF2-40B4-BE49-F238E27FC236}">
+                <a16:creationId xmlns:a16="http://schemas.microsoft.com/office/drawing/2014/main" id="{7531AB1F-8785-46A7-96E8-739FDD6A3036}"/>
+              </a:ext>
+            </a:extLst>
+          </p:cNvPr>
+          <p:cNvSpPr/>
+          <p:nvPr/>
+        </p:nvSpPr>
+        <p:spPr>
+          <a:xfrm>
+            <a:off x="7856399" y="1093402"/>
+            <a:ext cx="3983128" cy="307777"/>
+          </a:xfrm>
+          <a:prstGeom prst="rect">
+            <a:avLst/>
+          </a:prstGeom>
+        </p:spPr>
+        <p:txBody>
+          <a:bodyPr wrap="square">
+            <a:spAutoFit/>
+          </a:bodyPr>
+          <a:lstStyle/>
+          <a:p>
+            <a:endParaRPr lang="en-US" sz="1400" dirty="0"/>
+          </a:p>
+        </p:txBody>
+      </p:sp>
+      <p:sp>
+        <p:nvSpPr>
+          <p:cNvPr id="4" name="Rectangle 3">
+            <a:extLst>
+              <a:ext uri="{FF2B5EF4-FFF2-40B4-BE49-F238E27FC236}">
+                <a16:creationId xmlns:a16="http://schemas.microsoft.com/office/drawing/2014/main" id="{BF2B2182-46A7-447E-AC74-7C8B267F3095}"/>
+              </a:ext>
+            </a:extLst>
+          </p:cNvPr>
+          <p:cNvSpPr/>
+          <p:nvPr/>
+        </p:nvSpPr>
+        <p:spPr>
+          <a:xfrm>
+            <a:off x="1889043" y="2306488"/>
+            <a:ext cx="3539120" cy="615553"/>
+          </a:xfrm>
+          <a:prstGeom prst="rect">
+            <a:avLst/>
+          </a:prstGeom>
+        </p:spPr>
+        <p:txBody>
+          <a:bodyPr wrap="square">
+            <a:spAutoFit/>
+          </a:bodyPr>
+          <a:lstStyle/>
+          <a:p>
+            <a:r>
+              <a:rPr lang="en-US" sz="1400" dirty="0"/>
+              <a:t>Product Image Classification API </a:t>
+            </a:r>
+          </a:p>
+          <a:p>
+            <a:r>
+              <a:rPr lang="en-US" sz="1000" dirty="0"/>
+              <a:t>Product Image Classification classifies images into a fixed set of categories of products that are common in eCommerce.</a:t>
+            </a:r>
+            <a:endParaRPr lang="en-US" sz="1200" dirty="0"/>
+          </a:p>
+        </p:txBody>
+      </p:sp>
+      <p:pic>
+        <p:nvPicPr>
+          <p:cNvPr id="19" name="Graphic 18" descr="Checkmark">
+            <a:extLst>
+              <a:ext uri="{FF2B5EF4-FFF2-40B4-BE49-F238E27FC236}">
+                <a16:creationId xmlns:a16="http://schemas.microsoft.com/office/drawing/2014/main" id="{769BA8C2-E42B-4385-A38C-1CDEC687A1A6}"/>
+              </a:ext>
+            </a:extLst>
+          </p:cNvPr>
+          <p:cNvPicPr>
+            <a:picLocks noChangeAspect="1"/>
+          </p:cNvPicPr>
+          <p:nvPr/>
+        </p:nvPicPr>
+        <p:blipFill>
+          <a:blip r:embed="rId6">
+            <a:extLst>
+              <a:ext uri="{28A0092B-C50C-407E-A947-70E740481C1C}">
+                <a14:useLocalDpi xmlns:a14="http://schemas.microsoft.com/office/drawing/2010/main" val="0"/>
+              </a:ext>
+              <a:ext uri="{96DAC541-7B7A-43D3-8B79-37D633B846F1}">
+                <asvg:svgBlip xmlns:asvg="http://schemas.microsoft.com/office/drawing/2016/SVG/main" r:embed="rId7"/>
+              </a:ext>
+            </a:extLst>
+          </a:blip>
+          <a:stretch>
+            <a:fillRect/>
+          </a:stretch>
+        </p:blipFill>
+        <p:spPr>
+          <a:xfrm>
+            <a:off x="5772546" y="4974671"/>
+            <a:ext cx="461509" cy="461509"/>
+          </a:xfrm>
+          <a:prstGeom prst="rect">
+            <a:avLst/>
+          </a:prstGeom>
+        </p:spPr>
+      </p:pic>
+      <p:pic>
+        <p:nvPicPr>
+          <p:cNvPr id="23" name="Graphic 22" descr="Teacher">
+            <a:extLst>
+              <a:ext uri="{FF2B5EF4-FFF2-40B4-BE49-F238E27FC236}">
+                <a16:creationId xmlns:a16="http://schemas.microsoft.com/office/drawing/2014/main" id="{71D04BCB-426B-48DB-8C32-AEB538A19EF8}"/>
+              </a:ext>
+            </a:extLst>
+          </p:cNvPr>
+          <p:cNvPicPr>
+            <a:picLocks noChangeAspect="1"/>
+          </p:cNvPicPr>
+          <p:nvPr/>
+        </p:nvPicPr>
+        <p:blipFill>
+          <a:blip r:embed="rId8">
+            <a:extLst>
+              <a:ext uri="{28A0092B-C50C-407E-A947-70E740481C1C}">
+                <a14:useLocalDpi xmlns:a14="http://schemas.microsoft.com/office/drawing/2010/main" val="0"/>
+              </a:ext>
+              <a:ext uri="{96DAC541-7B7A-43D3-8B79-37D633B846F1}">
+                <asvg:svgBlip xmlns:asvg="http://schemas.microsoft.com/office/drawing/2016/SVG/main" r:embed="rId9"/>
+              </a:ext>
+            </a:extLst>
+          </a:blip>
+          <a:stretch>
+            <a:fillRect/>
+          </a:stretch>
+        </p:blipFill>
+        <p:spPr>
+          <a:xfrm>
+            <a:off x="5167621" y="4974671"/>
+            <a:ext cx="461509" cy="461509"/>
+          </a:xfrm>
+          <a:prstGeom prst="rect">
+            <a:avLst/>
+          </a:prstGeom>
+        </p:spPr>
+      </p:pic>
+      <p:pic>
+        <p:nvPicPr>
+          <p:cNvPr id="53" name="Graphic 52" descr="Internet">
+            <a:extLst>
+              <a:ext uri="{FF2B5EF4-FFF2-40B4-BE49-F238E27FC236}">
+                <a16:creationId xmlns:a16="http://schemas.microsoft.com/office/drawing/2014/main" id="{B35FCDA9-0011-4A6D-B480-A9669DCD70A7}"/>
+              </a:ext>
+            </a:extLst>
+          </p:cNvPr>
+          <p:cNvPicPr>
+            <a:picLocks noChangeAspect="1"/>
+          </p:cNvPicPr>
+          <p:nvPr/>
+        </p:nvPicPr>
+        <p:blipFill>
+          <a:blip r:embed="rId10">
+            <a:extLst>
+              <a:ext uri="{28A0092B-C50C-407E-A947-70E740481C1C}">
+                <a14:useLocalDpi xmlns:a14="http://schemas.microsoft.com/office/drawing/2010/main" val="0"/>
+              </a:ext>
+              <a:ext uri="{96DAC541-7B7A-43D3-8B79-37D633B846F1}">
+                <asvg:svgBlip xmlns:asvg="http://schemas.microsoft.com/office/drawing/2016/SVG/main" r:embed="rId11"/>
+              </a:ext>
+            </a:extLst>
+          </a:blip>
+          <a:stretch>
+            <a:fillRect/>
+          </a:stretch>
+        </p:blipFill>
+        <p:spPr>
+          <a:xfrm>
+            <a:off x="8555885" y="3394502"/>
+            <a:ext cx="687347" cy="687347"/>
+          </a:xfrm>
+          <a:prstGeom prst="rect">
+            <a:avLst/>
+          </a:prstGeom>
+        </p:spPr>
+      </p:pic>
+      <p:sp>
+        <p:nvSpPr>
+          <p:cNvPr id="55" name="Rectangle 54">
+            <a:extLst>
+              <a:ext uri="{FF2B5EF4-FFF2-40B4-BE49-F238E27FC236}">
+                <a16:creationId xmlns:a16="http://schemas.microsoft.com/office/drawing/2014/main" id="{2D2AE2B8-2EAF-4216-AC15-A4B45F830FFD}"/>
+              </a:ext>
+            </a:extLst>
+          </p:cNvPr>
+          <p:cNvSpPr/>
+          <p:nvPr/>
+        </p:nvSpPr>
+        <p:spPr>
+          <a:xfrm>
+            <a:off x="6083053" y="2306488"/>
+            <a:ext cx="3539120" cy="623248"/>
+          </a:xfrm>
+          <a:prstGeom prst="rect">
+            <a:avLst/>
+          </a:prstGeom>
+        </p:spPr>
+        <p:txBody>
+          <a:bodyPr wrap="square">
+            <a:spAutoFit/>
+          </a:bodyPr>
+          <a:lstStyle/>
+          <a:p>
+            <a:r>
+              <a:rPr lang="en-US" sz="1400" dirty="0"/>
+              <a:t>Inference Service for Machine Translation </a:t>
+            </a:r>
+          </a:p>
+          <a:p>
+            <a:r>
+              <a:rPr lang="en-US" sz="1000" dirty="0"/>
+              <a:t>Translates text from a source language to multiple target languages</a:t>
+            </a:r>
+            <a:r>
+              <a:rPr lang="en-US" sz="1050" dirty="0"/>
+              <a:t>.</a:t>
+            </a:r>
+          </a:p>
+        </p:txBody>
+      </p:sp>
+      <p:pic>
+        <p:nvPicPr>
+          <p:cNvPr id="56" name="Graphic 55" descr="Head with gears">
+            <a:extLst>
+              <a:ext uri="{FF2B5EF4-FFF2-40B4-BE49-F238E27FC236}">
+                <a16:creationId xmlns:a16="http://schemas.microsoft.com/office/drawing/2014/main" id="{7C4E70EC-7F61-4939-993E-46BE97DF6959}"/>
+              </a:ext>
+            </a:extLst>
+          </p:cNvPr>
+          <p:cNvPicPr>
+            <a:picLocks noChangeAspect="1"/>
+          </p:cNvPicPr>
+          <p:nvPr/>
+        </p:nvPicPr>
+        <p:blipFill>
+          <a:blip r:embed="rId2">
+            <a:extLst>
+              <a:ext uri="{28A0092B-C50C-407E-A947-70E740481C1C}">
+                <a14:useLocalDpi xmlns:a14="http://schemas.microsoft.com/office/drawing/2010/main" val="0"/>
+              </a:ext>
+              <a:ext uri="{96DAC541-7B7A-43D3-8B79-37D633B846F1}">
+                <asvg:svgBlip xmlns:asvg="http://schemas.microsoft.com/office/drawing/2016/SVG/main" r:embed="rId3"/>
+              </a:ext>
+            </a:extLst>
+          </a:blip>
+          <a:stretch>
+            <a:fillRect/>
+          </a:stretch>
+        </p:blipFill>
+        <p:spPr>
+          <a:xfrm>
+            <a:off x="7052026" y="3133696"/>
+            <a:ext cx="462628" cy="462628"/>
+          </a:xfrm>
+          <a:prstGeom prst="rect">
+            <a:avLst/>
+          </a:prstGeom>
+        </p:spPr>
+      </p:pic>
+      <p:cxnSp>
+        <p:nvCxnSpPr>
+          <p:cNvPr id="58" name="Straight Connector 57">
+            <a:extLst>
+              <a:ext uri="{FF2B5EF4-FFF2-40B4-BE49-F238E27FC236}">
+                <a16:creationId xmlns:a16="http://schemas.microsoft.com/office/drawing/2014/main" id="{D4BE199E-9B25-4C91-82FB-C7AA4CDADB94}"/>
+              </a:ext>
+            </a:extLst>
+          </p:cNvPr>
+          <p:cNvCxnSpPr>
+            <a:cxnSpLocks/>
+          </p:cNvCxnSpPr>
+          <p:nvPr/>
+        </p:nvCxnSpPr>
+        <p:spPr>
+          <a:xfrm flipV="1">
+            <a:off x="5778700" y="4199840"/>
+            <a:ext cx="0" cy="741276"/>
+          </a:xfrm>
+          <a:prstGeom prst="line">
+            <a:avLst/>
+          </a:prstGeom>
+        </p:spPr>
+        <p:style>
+          <a:lnRef idx="3">
+            <a:schemeClr val="dk1"/>
+          </a:lnRef>
+          <a:fillRef idx="0">
+            <a:schemeClr val="dk1"/>
+          </a:fillRef>
+          <a:effectRef idx="2">
+            <a:schemeClr val="dk1"/>
+          </a:effectRef>
+          <a:fontRef idx="minor">
+            <a:schemeClr val="tx1"/>
+          </a:fontRef>
+        </p:style>
+      </p:cxnSp>
+      <p:sp>
+        <p:nvSpPr>
+          <p:cNvPr id="60" name="Rectangle 59">
+            <a:extLst>
+              <a:ext uri="{FF2B5EF4-FFF2-40B4-BE49-F238E27FC236}">
+                <a16:creationId xmlns:a16="http://schemas.microsoft.com/office/drawing/2014/main" id="{6E7773B2-3323-4353-8209-A22CCD362BBA}"/>
+              </a:ext>
+            </a:extLst>
+          </p:cNvPr>
+          <p:cNvSpPr/>
+          <p:nvPr/>
+        </p:nvSpPr>
+        <p:spPr>
+          <a:xfrm>
+            <a:off x="4483948" y="5436180"/>
+            <a:ext cx="2799393" cy="615553"/>
+          </a:xfrm>
+          <a:prstGeom prst="rect">
+            <a:avLst/>
+          </a:prstGeom>
+        </p:spPr>
+        <p:txBody>
+          <a:bodyPr wrap="square">
+            <a:spAutoFit/>
+          </a:bodyPr>
+          <a:lstStyle/>
+          <a:p>
+            <a:r>
+              <a:rPr lang="en-US" sz="1400" dirty="0"/>
+              <a:t>Human validation</a:t>
+            </a:r>
+          </a:p>
+          <a:p>
+            <a:r>
+              <a:rPr lang="en-US" sz="1000" dirty="0"/>
+              <a:t>Employee validates the proposed product category classification and description in English</a:t>
+            </a:r>
+            <a:endParaRPr lang="en-US" sz="1000" b="1" dirty="0"/>
+          </a:p>
+        </p:txBody>
+      </p:sp>
+      <p:sp>
+        <p:nvSpPr>
+          <p:cNvPr id="61" name="Rectangle 60">
+            <a:extLst>
+              <a:ext uri="{FF2B5EF4-FFF2-40B4-BE49-F238E27FC236}">
+                <a16:creationId xmlns:a16="http://schemas.microsoft.com/office/drawing/2014/main" id="{E340A702-E5CC-459C-A692-59716C8EA5E5}"/>
+              </a:ext>
+            </a:extLst>
+          </p:cNvPr>
+          <p:cNvSpPr/>
+          <p:nvPr/>
+        </p:nvSpPr>
+        <p:spPr>
+          <a:xfrm>
+            <a:off x="490243" y="3441648"/>
+            <a:ext cx="1756600" cy="615553"/>
+          </a:xfrm>
+          <a:prstGeom prst="rect">
+            <a:avLst/>
+          </a:prstGeom>
+        </p:spPr>
+        <p:txBody>
+          <a:bodyPr wrap="square">
+            <a:spAutoFit/>
+          </a:bodyPr>
+          <a:lstStyle/>
+          <a:p>
+            <a:r>
+              <a:rPr lang="en-US" sz="1400" dirty="0"/>
+              <a:t>Photograph</a:t>
+            </a:r>
+          </a:p>
+          <a:p>
+            <a:r>
+              <a:rPr lang="en-US" sz="1000" dirty="0"/>
+              <a:t>Incoming goods are photographed by employee</a:t>
+            </a:r>
+            <a:endParaRPr lang="en-US" sz="1000" b="1" dirty="0"/>
+          </a:p>
+        </p:txBody>
+      </p:sp>
+      <p:cxnSp>
+        <p:nvCxnSpPr>
+          <p:cNvPr id="63" name="Straight Connector 62">
+            <a:extLst>
+              <a:ext uri="{FF2B5EF4-FFF2-40B4-BE49-F238E27FC236}">
+                <a16:creationId xmlns:a16="http://schemas.microsoft.com/office/drawing/2014/main" id="{CA8FE501-7981-46E4-8B0A-67AC2282F08B}"/>
+              </a:ext>
+            </a:extLst>
+          </p:cNvPr>
+          <p:cNvCxnSpPr>
+            <a:cxnSpLocks/>
+          </p:cNvCxnSpPr>
+          <p:nvPr/>
+        </p:nvCxnSpPr>
+        <p:spPr>
+          <a:xfrm>
+            <a:off x="6322800" y="3738175"/>
+            <a:ext cx="1921081" cy="0"/>
+          </a:xfrm>
+          <a:prstGeom prst="line">
+            <a:avLst/>
+          </a:prstGeom>
+        </p:spPr>
+        <p:style>
+          <a:lnRef idx="3">
+            <a:schemeClr val="dk1"/>
+          </a:lnRef>
+          <a:fillRef idx="0">
+            <a:schemeClr val="dk1"/>
+          </a:fillRef>
+          <a:effectRef idx="2">
+            <a:schemeClr val="dk1"/>
+          </a:effectRef>
+          <a:fontRef idx="minor">
+            <a:schemeClr val="tx1"/>
+          </a:fontRef>
+        </p:style>
+      </p:cxnSp>
+      <p:sp>
+        <p:nvSpPr>
+          <p:cNvPr id="64" name="Rectangle 63">
+            <a:extLst>
+              <a:ext uri="{FF2B5EF4-FFF2-40B4-BE49-F238E27FC236}">
+                <a16:creationId xmlns:a16="http://schemas.microsoft.com/office/drawing/2014/main" id="{5A3846A8-E48B-4C58-BDFF-5A88F418B9C5}"/>
+              </a:ext>
+            </a:extLst>
+          </p:cNvPr>
+          <p:cNvSpPr/>
+          <p:nvPr/>
+        </p:nvSpPr>
+        <p:spPr>
+          <a:xfrm>
+            <a:off x="9555236" y="3276510"/>
+            <a:ext cx="2074739" cy="769441"/>
+          </a:xfrm>
+          <a:prstGeom prst="rect">
+            <a:avLst/>
+          </a:prstGeom>
+        </p:spPr>
+        <p:txBody>
+          <a:bodyPr wrap="square">
+            <a:spAutoFit/>
+          </a:bodyPr>
+          <a:lstStyle/>
+          <a:p>
+            <a:r>
+              <a:rPr lang="en-US" sz="1400" dirty="0"/>
+              <a:t>Web Shop</a:t>
+            </a:r>
+          </a:p>
+          <a:p>
+            <a:r>
+              <a:rPr lang="en-US" sz="1000" dirty="0"/>
+              <a:t>Descriptions are automatically translated into consumer’s language</a:t>
+            </a:r>
+          </a:p>
+          <a:p>
+            <a:endParaRPr lang="en-US" sz="1000" dirty="0"/>
+          </a:p>
+        </p:txBody>
+      </p:sp>
+      <p:cxnSp>
+        <p:nvCxnSpPr>
+          <p:cNvPr id="65" name="Straight Connector 64">
+            <a:extLst>
+              <a:ext uri="{FF2B5EF4-FFF2-40B4-BE49-F238E27FC236}">
+                <a16:creationId xmlns:a16="http://schemas.microsoft.com/office/drawing/2014/main" id="{AEB7F30C-FF80-48A5-A716-B5F64597EEBD}"/>
+              </a:ext>
+            </a:extLst>
+          </p:cNvPr>
+          <p:cNvCxnSpPr>
+            <a:cxnSpLocks/>
+          </p:cNvCxnSpPr>
+          <p:nvPr/>
+        </p:nvCxnSpPr>
+        <p:spPr>
+          <a:xfrm>
+            <a:off x="6322800" y="4081849"/>
+            <a:ext cx="1914089" cy="1123576"/>
+          </a:xfrm>
+          <a:prstGeom prst="line">
+            <a:avLst/>
+          </a:prstGeom>
+        </p:spPr>
+        <p:style>
+          <a:lnRef idx="3">
+            <a:schemeClr val="dk1"/>
+          </a:lnRef>
+          <a:fillRef idx="0">
+            <a:schemeClr val="dk1"/>
+          </a:fillRef>
+          <a:effectRef idx="2">
+            <a:schemeClr val="dk1"/>
+          </a:effectRef>
+          <a:fontRef idx="minor">
+            <a:schemeClr val="tx1"/>
+          </a:fontRef>
+        </p:style>
+      </p:cxnSp>
+      <p:pic>
+        <p:nvPicPr>
+          <p:cNvPr id="66" name="Graphic 65" descr="Database">
+            <a:extLst>
+              <a:ext uri="{FF2B5EF4-FFF2-40B4-BE49-F238E27FC236}">
+                <a16:creationId xmlns:a16="http://schemas.microsoft.com/office/drawing/2014/main" id="{498EFD79-C97C-4968-8E06-7FDD0FDE5D1D}"/>
+              </a:ext>
+            </a:extLst>
+          </p:cNvPr>
+          <p:cNvPicPr>
+            <a:picLocks noChangeAspect="1"/>
+          </p:cNvPicPr>
+          <p:nvPr/>
+        </p:nvPicPr>
+        <p:blipFill>
+          <a:blip r:embed="rId12">
+            <a:extLst>
+              <a:ext uri="{28A0092B-C50C-407E-A947-70E740481C1C}">
+                <a14:useLocalDpi xmlns:a14="http://schemas.microsoft.com/office/drawing/2010/main" val="0"/>
+              </a:ext>
+              <a:ext uri="{96DAC541-7B7A-43D3-8B79-37D633B846F1}">
+                <asvg:svgBlip xmlns:asvg="http://schemas.microsoft.com/office/drawing/2016/SVG/main" r:embed="rId13"/>
+              </a:ext>
+            </a:extLst>
+          </a:blip>
+          <a:stretch>
+            <a:fillRect/>
+          </a:stretch>
+        </p:blipFill>
+        <p:spPr>
+          <a:xfrm>
+            <a:off x="5460402" y="3424532"/>
+            <a:ext cx="647980" cy="647980"/>
+          </a:xfrm>
+          <a:prstGeom prst="rect">
+            <a:avLst/>
+          </a:prstGeom>
+        </p:spPr>
+      </p:pic>
+      <p:pic>
+        <p:nvPicPr>
+          <p:cNvPr id="68" name="Graphic 67" descr="Table">
+            <a:extLst>
+              <a:ext uri="{FF2B5EF4-FFF2-40B4-BE49-F238E27FC236}">
+                <a16:creationId xmlns:a16="http://schemas.microsoft.com/office/drawing/2014/main" id="{3DDA8B07-2BE4-46BE-83EE-0D74F530A903}"/>
+              </a:ext>
+            </a:extLst>
+          </p:cNvPr>
+          <p:cNvPicPr>
+            <a:picLocks noChangeAspect="1"/>
+          </p:cNvPicPr>
+          <p:nvPr/>
+        </p:nvPicPr>
+        <p:blipFill>
+          <a:blip r:embed="rId14">
+            <a:extLst>
+              <a:ext uri="{28A0092B-C50C-407E-A947-70E740481C1C}">
+                <a14:useLocalDpi xmlns:a14="http://schemas.microsoft.com/office/drawing/2010/main" val="0"/>
+              </a:ext>
+              <a:ext uri="{96DAC541-7B7A-43D3-8B79-37D633B846F1}">
+                <asvg:svgBlip xmlns:asvg="http://schemas.microsoft.com/office/drawing/2016/SVG/main" r:embed="rId15"/>
+              </a:ext>
+            </a:extLst>
+          </a:blip>
+          <a:stretch>
+            <a:fillRect/>
+          </a:stretch>
+        </p:blipFill>
+        <p:spPr>
+          <a:xfrm>
+            <a:off x="8577065" y="4974671"/>
+            <a:ext cx="637994" cy="637994"/>
+          </a:xfrm>
+          <a:prstGeom prst="rect">
+            <a:avLst/>
+          </a:prstGeom>
+        </p:spPr>
+      </p:pic>
+      <p:sp>
+        <p:nvSpPr>
+          <p:cNvPr id="69" name="Rectangle 68">
+            <a:extLst>
+              <a:ext uri="{FF2B5EF4-FFF2-40B4-BE49-F238E27FC236}">
+                <a16:creationId xmlns:a16="http://schemas.microsoft.com/office/drawing/2014/main" id="{352A6D88-AA29-44B9-9CF4-9FC6B3186FFE}"/>
+              </a:ext>
+            </a:extLst>
+          </p:cNvPr>
+          <p:cNvSpPr/>
+          <p:nvPr/>
+        </p:nvSpPr>
+        <p:spPr>
+          <a:xfrm>
+            <a:off x="9555236" y="4825444"/>
+            <a:ext cx="2284292" cy="861774"/>
+          </a:xfrm>
+          <a:prstGeom prst="rect">
+            <a:avLst/>
+          </a:prstGeom>
+        </p:spPr>
+        <p:txBody>
+          <a:bodyPr wrap="square">
+            <a:spAutoFit/>
+          </a:bodyPr>
+          <a:lstStyle/>
+          <a:p>
+            <a:r>
+              <a:rPr lang="en-US" sz="1400" dirty="0"/>
+              <a:t>Product catalog</a:t>
+            </a:r>
+          </a:p>
+          <a:p>
+            <a:r>
+              <a:rPr lang="en-US" sz="1200" dirty="0"/>
+              <a:t>Products are categorized automatically to provide correct information without delay</a:t>
+            </a:r>
+          </a:p>
+        </p:txBody>
+      </p:sp>
+      <p:cxnSp>
+        <p:nvCxnSpPr>
+          <p:cNvPr id="70" name="Straight Connector 69">
+            <a:extLst>
+              <a:ext uri="{FF2B5EF4-FFF2-40B4-BE49-F238E27FC236}">
+                <a16:creationId xmlns:a16="http://schemas.microsoft.com/office/drawing/2014/main" id="{9D48E2B2-EA79-48FC-B492-6936706C56EA}"/>
+              </a:ext>
+            </a:extLst>
+          </p:cNvPr>
+          <p:cNvCxnSpPr>
+            <a:cxnSpLocks/>
+            <a:stCxn id="53" idx="2"/>
+            <a:endCxn id="68" idx="0"/>
+          </p:cNvCxnSpPr>
+          <p:nvPr/>
+        </p:nvCxnSpPr>
+        <p:spPr>
+          <a:xfrm flipH="1">
+            <a:off x="8896062" y="4081849"/>
+            <a:ext cx="3497" cy="892822"/>
+          </a:xfrm>
+          <a:prstGeom prst="line">
+            <a:avLst/>
+          </a:prstGeom>
+        </p:spPr>
+        <p:style>
+          <a:lnRef idx="3">
+            <a:schemeClr val="dk1"/>
+          </a:lnRef>
+          <a:fillRef idx="0">
+            <a:schemeClr val="dk1"/>
+          </a:fillRef>
+          <a:effectRef idx="2">
+            <a:schemeClr val="dk1"/>
+          </a:effectRef>
+          <a:fontRef idx="minor">
+            <a:schemeClr val="tx1"/>
+          </a:fontRef>
+        </p:style>
+      </p:cxnSp>
+    </p:spTree>
+    <p:extLst>
+      <p:ext uri="{BB962C8B-B14F-4D97-AF65-F5344CB8AC3E}">
+        <p14:creationId xmlns:p14="http://schemas.microsoft.com/office/powerpoint/2010/main" val="916408947"/>
+      </p:ext>
+    </p:extLst>
+  </p:cSld>
+  <p:clrMapOvr>
+    <a:masterClrMapping/>
+  </p:clrMapOvr>
+</p:sld>
+</file>
+
 <file path=ppt/theme/theme1.xml><?xml version="1.0" encoding="utf-8"?>
 <a:theme xmlns:a="http://schemas.openxmlformats.org/drawingml/2006/main" name="Office Theme">
   <a:themeElements>

--- a/Teams/MyShop/MyShop.pptx
+++ b/Teams/MyShop/MyShop.pptx
@@ -6056,7 +6056,7 @@
         </p:nvCxnSpPr>
         <p:spPr>
           <a:xfrm>
-            <a:off x="3246540" y="3738175"/>
+            <a:off x="3246540" y="3083833"/>
             <a:ext cx="1921081" cy="0"/>
           </a:xfrm>
           <a:prstGeom prst="line">
@@ -6109,7 +6109,7 @@
         </p:blipFill>
         <p:spPr>
           <a:xfrm>
-            <a:off x="3948154" y="3133696"/>
+            <a:off x="3948154" y="2479354"/>
             <a:ext cx="462628" cy="462628"/>
           </a:xfrm>
           <a:prstGeom prst="rect">
@@ -6148,7 +6148,7 @@
         </p:blipFill>
         <p:spPr>
           <a:xfrm>
-            <a:off x="2559757" y="3517296"/>
+            <a:off x="2559757" y="2862954"/>
             <a:ext cx="441758" cy="441758"/>
           </a:xfrm>
           <a:prstGeom prst="rect">
@@ -6201,7 +6201,7 @@
         </p:nvSpPr>
         <p:spPr>
           <a:xfrm>
-            <a:off x="1889043" y="2306488"/>
+            <a:off x="1889043" y="1652146"/>
             <a:ext cx="3539120" cy="615553"/>
           </a:xfrm>
           <a:prstGeom prst="rect">
@@ -6214,12 +6214,14 @@
           </a:bodyPr>
           <a:lstStyle/>
           <a:p>
+            <a:pPr algn="r"/>
             <a:r>
               <a:rPr lang="en-US" sz="1400" dirty="0"/>
               <a:t>Product Image Classification API </a:t>
             </a:r>
           </a:p>
           <a:p>
+            <a:pPr algn="r"/>
             <a:r>
               <a:rPr lang="en-US" sz="1000" dirty="0"/>
               <a:t>Product Image Classification classifies images into a fixed set of categories of products that are common in eCommerce.</a:t>
@@ -6259,8 +6261,8 @@
         </p:blipFill>
         <p:spPr>
           <a:xfrm>
-            <a:off x="5772546" y="4974671"/>
-            <a:ext cx="461509" cy="461509"/>
+            <a:off x="5827256" y="4400206"/>
+            <a:ext cx="364854" cy="364854"/>
           </a:xfrm>
           <a:prstGeom prst="rect">
             <a:avLst/>
@@ -6298,7 +6300,7 @@
         </p:blipFill>
         <p:spPr>
           <a:xfrm>
-            <a:off x="5167621" y="4974671"/>
+            <a:off x="5276678" y="4353885"/>
             <a:ext cx="461509" cy="461509"/>
           </a:xfrm>
           <a:prstGeom prst="rect">
@@ -6337,7 +6339,7 @@
         </p:blipFill>
         <p:spPr>
           <a:xfrm>
-            <a:off x="8555885" y="3394502"/>
+            <a:off x="8555885" y="2740160"/>
             <a:ext cx="687347" cy="687347"/>
           </a:xfrm>
           <a:prstGeom prst="rect">
@@ -6359,7 +6361,7 @@
         </p:nvSpPr>
         <p:spPr>
           <a:xfrm>
-            <a:off x="6083053" y="2306488"/>
+            <a:off x="6083053" y="1652146"/>
             <a:ext cx="3539120" cy="623248"/>
           </a:xfrm>
           <a:prstGeom prst="rect">
@@ -6420,7 +6422,7 @@
         </p:blipFill>
         <p:spPr>
           <a:xfrm>
-            <a:off x="7052026" y="3133696"/>
+            <a:off x="7052026" y="2479354"/>
             <a:ext cx="462628" cy="462628"/>
           </a:xfrm>
           <a:prstGeom prst="rect">
@@ -6444,7 +6446,7 @@
         </p:nvCxnSpPr>
         <p:spPr>
           <a:xfrm flipV="1">
-            <a:off x="5778700" y="4199840"/>
+            <a:off x="5778700" y="3545498"/>
             <a:ext cx="0" cy="741276"/>
           </a:xfrm>
           <a:prstGeom prst="line">
@@ -6480,7 +6482,7 @@
         </p:nvSpPr>
         <p:spPr>
           <a:xfrm>
-            <a:off x="4483948" y="5436180"/>
+            <a:off x="4483948" y="4781838"/>
             <a:ext cx="2799393" cy="615553"/>
           </a:xfrm>
           <a:prstGeom prst="rect">
@@ -6521,7 +6523,7 @@
         </p:nvSpPr>
         <p:spPr>
           <a:xfrm>
-            <a:off x="490243" y="3441648"/>
+            <a:off x="490243" y="2787306"/>
             <a:ext cx="1756600" cy="615553"/>
           </a:xfrm>
           <a:prstGeom prst="rect">
@@ -6564,7 +6566,7 @@
         </p:nvCxnSpPr>
         <p:spPr>
           <a:xfrm>
-            <a:off x="6322800" y="3738175"/>
+            <a:off x="6322800" y="3083833"/>
             <a:ext cx="1921081" cy="0"/>
           </a:xfrm>
           <a:prstGeom prst="line">
@@ -6600,7 +6602,7 @@
         </p:nvSpPr>
         <p:spPr>
           <a:xfrm>
-            <a:off x="9555236" y="3276510"/>
+            <a:off x="9555236" y="2622168"/>
             <a:ext cx="2074739" cy="769441"/>
           </a:xfrm>
           <a:prstGeom prst="rect">
@@ -6645,7 +6647,7 @@
         </p:nvCxnSpPr>
         <p:spPr>
           <a:xfrm>
-            <a:off x="6322800" y="4081849"/>
+            <a:off x="6322800" y="3427507"/>
             <a:ext cx="1914089" cy="1123576"/>
           </a:xfrm>
           <a:prstGeom prst="line">
@@ -6698,7 +6700,7 @@
         </p:blipFill>
         <p:spPr>
           <a:xfrm>
-            <a:off x="5460402" y="3424532"/>
+            <a:off x="5460402" y="2770190"/>
             <a:ext cx="647980" cy="647980"/>
           </a:xfrm>
           <a:prstGeom prst="rect">
@@ -6737,7 +6739,7 @@
         </p:blipFill>
         <p:spPr>
           <a:xfrm>
-            <a:off x="8577065" y="4974671"/>
+            <a:off x="8577065" y="4320329"/>
             <a:ext cx="637994" cy="637994"/>
           </a:xfrm>
           <a:prstGeom prst="rect">
@@ -6759,8 +6761,8 @@
         </p:nvSpPr>
         <p:spPr>
           <a:xfrm>
-            <a:off x="9555236" y="4825444"/>
-            <a:ext cx="2284292" cy="861774"/>
+            <a:off x="9555236" y="4171102"/>
+            <a:ext cx="2284292" cy="769441"/>
           </a:xfrm>
           <a:prstGeom prst="rect">
             <a:avLst/>
@@ -6779,7 +6781,7 @@
           </a:p>
           <a:p>
             <a:r>
-              <a:rPr lang="en-US" sz="1200" dirty="0"/>
+              <a:rPr lang="en-US" sz="1000" dirty="0"/>
               <a:t>Products are categorized automatically to provide correct information without delay</a:t>
             </a:r>
           </a:p>
@@ -6803,7 +6805,7 @@
         </p:nvCxnSpPr>
         <p:spPr>
           <a:xfrm flipH="1">
-            <a:off x="8896062" y="4081849"/>
+            <a:off x="8896062" y="3427507"/>
             <a:ext cx="3497" cy="892822"/>
           </a:xfrm>
           <a:prstGeom prst="line">

--- a/Teams/MyShop/MyShop.pptx
+++ b/Teams/MyShop/MyShop.pptx
@@ -261,7 +261,7 @@
           <a:p>
             <a:fld id="{F3078F3B-2E77-4C7E-BFB1-634E893ADC17}" type="datetimeFigureOut">
               <a:rPr lang="en-US" smtClean="0"/>
-              <a:t>9/26/2019</a:t>
+              <a:t>9/27/2019</a:t>
             </a:fld>
             <a:endParaRPr lang="en-US"/>
           </a:p>
@@ -459,7 +459,7 @@
           <a:p>
             <a:fld id="{F3078F3B-2E77-4C7E-BFB1-634E893ADC17}" type="datetimeFigureOut">
               <a:rPr lang="en-US" smtClean="0"/>
-              <a:t>9/26/2019</a:t>
+              <a:t>9/27/2019</a:t>
             </a:fld>
             <a:endParaRPr lang="en-US"/>
           </a:p>
@@ -667,7 +667,7 @@
           <a:p>
             <a:fld id="{F3078F3B-2E77-4C7E-BFB1-634E893ADC17}" type="datetimeFigureOut">
               <a:rPr lang="en-US" smtClean="0"/>
-              <a:t>9/26/2019</a:t>
+              <a:t>9/27/2019</a:t>
             </a:fld>
             <a:endParaRPr lang="en-US"/>
           </a:p>
@@ -865,7 +865,7 @@
           <a:p>
             <a:fld id="{F3078F3B-2E77-4C7E-BFB1-634E893ADC17}" type="datetimeFigureOut">
               <a:rPr lang="en-US" smtClean="0"/>
-              <a:t>9/26/2019</a:t>
+              <a:t>9/27/2019</a:t>
             </a:fld>
             <a:endParaRPr lang="en-US"/>
           </a:p>
@@ -1140,7 +1140,7 @@
           <a:p>
             <a:fld id="{F3078F3B-2E77-4C7E-BFB1-634E893ADC17}" type="datetimeFigureOut">
               <a:rPr lang="en-US" smtClean="0"/>
-              <a:t>9/26/2019</a:t>
+              <a:t>9/27/2019</a:t>
             </a:fld>
             <a:endParaRPr lang="en-US"/>
           </a:p>
@@ -1405,7 +1405,7 @@
           <a:p>
             <a:fld id="{F3078F3B-2E77-4C7E-BFB1-634E893ADC17}" type="datetimeFigureOut">
               <a:rPr lang="en-US" smtClean="0"/>
-              <a:t>9/26/2019</a:t>
+              <a:t>9/27/2019</a:t>
             </a:fld>
             <a:endParaRPr lang="en-US"/>
           </a:p>
@@ -1817,7 +1817,7 @@
           <a:p>
             <a:fld id="{F3078F3B-2E77-4C7E-BFB1-634E893ADC17}" type="datetimeFigureOut">
               <a:rPr lang="en-US" smtClean="0"/>
-              <a:t>9/26/2019</a:t>
+              <a:t>9/27/2019</a:t>
             </a:fld>
             <a:endParaRPr lang="en-US"/>
           </a:p>
@@ -1958,7 +1958,7 @@
           <a:p>
             <a:fld id="{F3078F3B-2E77-4C7E-BFB1-634E893ADC17}" type="datetimeFigureOut">
               <a:rPr lang="en-US" smtClean="0"/>
-              <a:t>9/26/2019</a:t>
+              <a:t>9/27/2019</a:t>
             </a:fld>
             <a:endParaRPr lang="en-US"/>
           </a:p>
@@ -2071,7 +2071,7 @@
           <a:p>
             <a:fld id="{F3078F3B-2E77-4C7E-BFB1-634E893ADC17}" type="datetimeFigureOut">
               <a:rPr lang="en-US" smtClean="0"/>
-              <a:t>9/26/2019</a:t>
+              <a:t>9/27/2019</a:t>
             </a:fld>
             <a:endParaRPr lang="en-US"/>
           </a:p>
@@ -2382,7 +2382,7 @@
           <a:p>
             <a:fld id="{F3078F3B-2E77-4C7E-BFB1-634E893ADC17}" type="datetimeFigureOut">
               <a:rPr lang="en-US" smtClean="0"/>
-              <a:t>9/26/2019</a:t>
+              <a:t>9/27/2019</a:t>
             </a:fld>
             <a:endParaRPr lang="en-US"/>
           </a:p>
@@ -2670,7 +2670,7 @@
           <a:p>
             <a:fld id="{F3078F3B-2E77-4C7E-BFB1-634E893ADC17}" type="datetimeFigureOut">
               <a:rPr lang="en-US" smtClean="0"/>
-              <a:t>9/26/2019</a:t>
+              <a:t>9/27/2019</a:t>
             </a:fld>
             <a:endParaRPr lang="en-US"/>
           </a:p>
@@ -2911,7 +2911,7 @@
           <a:p>
             <a:fld id="{F3078F3B-2E77-4C7E-BFB1-634E893ADC17}" type="datetimeFigureOut">
               <a:rPr lang="en-US" smtClean="0"/>
-              <a:t>9/26/2019</a:t>
+              <a:t>9/27/2019</a:t>
             </a:fld>
             <a:endParaRPr lang="en-US"/>
           </a:p>
@@ -5677,12 +5677,115 @@
           </a:prstGeom>
         </p:spPr>
       </p:pic>
+      <p:sp>
+        <p:nvSpPr>
+          <p:cNvPr id="48" name="Rectangle 47">
+            <a:extLst>
+              <a:ext uri="{FF2B5EF4-FFF2-40B4-BE49-F238E27FC236}">
+                <a16:creationId xmlns:a16="http://schemas.microsoft.com/office/drawing/2014/main" id="{666D3EE8-E1AA-4C7C-8953-2B49F11BDBFA}"/>
+              </a:ext>
+            </a:extLst>
+          </p:cNvPr>
+          <p:cNvSpPr/>
+          <p:nvPr/>
+        </p:nvSpPr>
+        <p:spPr>
+          <a:xfrm>
+            <a:off x="3967624" y="4854782"/>
+            <a:ext cx="902952" cy="307777"/>
+          </a:xfrm>
+          <a:prstGeom prst="rect">
+            <a:avLst/>
+          </a:prstGeom>
+        </p:spPr>
+        <p:txBody>
+          <a:bodyPr wrap="square">
+            <a:spAutoFit/>
+          </a:bodyPr>
+          <a:lstStyle/>
+          <a:p>
+            <a:r>
+              <a:rPr lang="en-US" sz="1400" dirty="0"/>
+              <a:t>Deliveries</a:t>
+            </a:r>
+          </a:p>
+        </p:txBody>
+      </p:sp>
+      <p:sp>
+        <p:nvSpPr>
+          <p:cNvPr id="51" name="Rectangle 50">
+            <a:extLst>
+              <a:ext uri="{FF2B5EF4-FFF2-40B4-BE49-F238E27FC236}">
+                <a16:creationId xmlns:a16="http://schemas.microsoft.com/office/drawing/2014/main" id="{C54E1350-FD55-49DC-84B0-16598BA5B8EA}"/>
+              </a:ext>
+            </a:extLst>
+          </p:cNvPr>
+          <p:cNvSpPr/>
+          <p:nvPr/>
+        </p:nvSpPr>
+        <p:spPr>
+          <a:xfrm>
+            <a:off x="4697796" y="5322283"/>
+            <a:ext cx="969896" cy="523220"/>
+          </a:xfrm>
+          <a:prstGeom prst="rect">
+            <a:avLst/>
+          </a:prstGeom>
+        </p:spPr>
+        <p:txBody>
+          <a:bodyPr wrap="square">
+            <a:spAutoFit/>
+          </a:bodyPr>
+          <a:lstStyle/>
+          <a:p>
+            <a:pPr algn="ctr"/>
+            <a:r>
+              <a:rPr lang="en-US" sz="1400" dirty="0"/>
+              <a:t>Retailer shop</a:t>
+            </a:r>
+          </a:p>
+        </p:txBody>
+      </p:sp>
+      <p:sp>
+        <p:nvSpPr>
+          <p:cNvPr id="49" name="Rectangle 48">
+            <a:extLst>
+              <a:ext uri="{FF2B5EF4-FFF2-40B4-BE49-F238E27FC236}">
+                <a16:creationId xmlns:a16="http://schemas.microsoft.com/office/drawing/2014/main" id="{0583BD32-CA63-4D08-9CFD-C2A492593012}"/>
+              </a:ext>
+            </a:extLst>
+          </p:cNvPr>
+          <p:cNvSpPr/>
+          <p:nvPr/>
+        </p:nvSpPr>
+        <p:spPr>
+          <a:xfrm>
+            <a:off x="7813167" y="135278"/>
+            <a:ext cx="3983128" cy="369332"/>
+          </a:xfrm>
+          <a:prstGeom prst="rect">
+            <a:avLst/>
+          </a:prstGeom>
+        </p:spPr>
+        <p:txBody>
+          <a:bodyPr wrap="square">
+            <a:spAutoFit/>
+          </a:bodyPr>
+          <a:lstStyle/>
+          <a:p>
+            <a:r>
+              <a:rPr lang="en-US" dirty="0"/>
+              <a:t>Potential ML/AI APIs to be considered:</a:t>
+            </a:r>
+          </a:p>
+        </p:txBody>
+      </p:sp>
       <p:grpSp>
         <p:nvGrpSpPr>
-          <p:cNvPr id="20" name="Group 19">
-            <a:extLst>
-              <a:ext uri="{FF2B5EF4-FFF2-40B4-BE49-F238E27FC236}">
-                <a16:creationId xmlns:a16="http://schemas.microsoft.com/office/drawing/2014/main" id="{DD3D798E-93D0-4FEA-8FE1-874863C794C8}"/>
+          <p:cNvPr id="3" name="Group 2">
+            <a:extLst>
+              <a:ext uri="{FF2B5EF4-FFF2-40B4-BE49-F238E27FC236}">
+                <a16:creationId xmlns:a16="http://schemas.microsoft.com/office/drawing/2014/main" id="{E13D6850-7F99-4D7D-9C08-97A7D8C19ABE}"/>
               </a:ext>
             </a:extLst>
           </p:cNvPr>
@@ -5691,18 +5794,200 @@
         </p:nvGrpSpPr>
         <p:grpSpPr>
           <a:xfrm>
-            <a:off x="7856399" y="1093402"/>
-            <a:ext cx="4244829" cy="2631666"/>
-            <a:chOff x="7809744" y="847821"/>
-            <a:chExt cx="4244829" cy="2774607"/>
+            <a:off x="7814454" y="672662"/>
+            <a:ext cx="4244829" cy="3002071"/>
+            <a:chOff x="7856399" y="722996"/>
+            <a:chExt cx="4244829" cy="3002071"/>
           </a:xfrm>
         </p:grpSpPr>
+        <p:grpSp>
+          <p:nvGrpSpPr>
+            <p:cNvPr id="20" name="Group 19">
+              <a:extLst>
+                <a:ext uri="{FF2B5EF4-FFF2-40B4-BE49-F238E27FC236}">
+                  <a16:creationId xmlns:a16="http://schemas.microsoft.com/office/drawing/2014/main" id="{DD3D798E-93D0-4FEA-8FE1-874863C794C8}"/>
+                </a:ext>
+              </a:extLst>
+            </p:cNvPr>
+            <p:cNvGrpSpPr/>
+            <p:nvPr/>
+          </p:nvGrpSpPr>
+          <p:grpSpPr>
+            <a:xfrm>
+              <a:off x="7856399" y="1413965"/>
+              <a:ext cx="4244829" cy="2311102"/>
+              <a:chOff x="7809744" y="1185796"/>
+              <a:chExt cx="4244829" cy="2436632"/>
+            </a:xfrm>
+          </p:grpSpPr>
+          <p:sp>
+            <p:nvSpPr>
+              <p:cNvPr id="10" name="Rectangle 9">
+                <a:extLst>
+                  <a:ext uri="{FF2B5EF4-FFF2-40B4-BE49-F238E27FC236}">
+                    <a16:creationId xmlns:a16="http://schemas.microsoft.com/office/drawing/2014/main" id="{7531AB1F-8785-46A7-96E8-739FDD6A3036}"/>
+                  </a:ext>
+                </a:extLst>
+              </p:cNvPr>
+              <p:cNvSpPr/>
+              <p:nvPr/>
+            </p:nvSpPr>
+            <p:spPr>
+              <a:xfrm>
+                <a:off x="7809744" y="1185796"/>
+                <a:ext cx="3983128" cy="646330"/>
+              </a:xfrm>
+              <a:prstGeom prst="rect">
+                <a:avLst/>
+              </a:prstGeom>
+            </p:spPr>
+            <p:txBody>
+              <a:bodyPr wrap="square">
+                <a:spAutoFit/>
+              </a:bodyPr>
+              <a:lstStyle/>
+              <a:p>
+                <a:r>
+                  <a:rPr lang="en-US" sz="1400" dirty="0"/>
+                  <a:t>Product Image Classification API </a:t>
+                </a:r>
+              </a:p>
+              <a:p>
+                <a:r>
+                  <a:rPr lang="en-US" sz="1050" dirty="0"/>
+                  <a:t>Product Image Classification classifies images into a fixed set of categories of products that are common in eCommerce.</a:t>
+                </a:r>
+                <a:endParaRPr lang="en-US" sz="1400" dirty="0"/>
+              </a:p>
+            </p:txBody>
+          </p:sp>
+          <p:sp>
+            <p:nvSpPr>
+              <p:cNvPr id="11" name="Rectangle 10">
+                <a:extLst>
+                  <a:ext uri="{FF2B5EF4-FFF2-40B4-BE49-F238E27FC236}">
+                    <a16:creationId xmlns:a16="http://schemas.microsoft.com/office/drawing/2014/main" id="{AF841B1C-65EF-40ED-889B-5052FE007A1C}"/>
+                  </a:ext>
+                </a:extLst>
+              </p:cNvPr>
+              <p:cNvSpPr/>
+              <p:nvPr/>
+            </p:nvSpPr>
+            <p:spPr>
+              <a:xfrm>
+                <a:off x="7809744" y="1895414"/>
+                <a:ext cx="3983128" cy="646329"/>
+              </a:xfrm>
+              <a:prstGeom prst="rect">
+                <a:avLst/>
+              </a:prstGeom>
+            </p:spPr>
+            <p:txBody>
+              <a:bodyPr wrap="square">
+                <a:spAutoFit/>
+              </a:bodyPr>
+              <a:lstStyle/>
+              <a:p>
+                <a:r>
+                  <a:rPr lang="en-US" sz="1400" dirty="0"/>
+                  <a:t>Product Text Classification API </a:t>
+                </a:r>
+              </a:p>
+              <a:p>
+                <a:r>
+                  <a:rPr lang="en-US" sz="1050" dirty="0"/>
+                  <a:t>Product Text Classification API aims at classifying each product to relevant categories based on its description.</a:t>
+                </a:r>
+              </a:p>
+            </p:txBody>
+          </p:sp>
+          <p:sp>
+            <p:nvSpPr>
+              <p:cNvPr id="12" name="Rectangle 11">
+                <a:extLst>
+                  <a:ext uri="{FF2B5EF4-FFF2-40B4-BE49-F238E27FC236}">
+                    <a16:creationId xmlns:a16="http://schemas.microsoft.com/office/drawing/2014/main" id="{2F2DC706-430C-4D70-B445-A0470D73E60F}"/>
+                  </a:ext>
+                </a:extLst>
+              </p:cNvPr>
+              <p:cNvSpPr/>
+              <p:nvPr/>
+            </p:nvSpPr>
+            <p:spPr>
+              <a:xfrm>
+                <a:off x="7809744" y="2605031"/>
+                <a:ext cx="4244829" cy="477054"/>
+              </a:xfrm>
+              <a:prstGeom prst="rect">
+                <a:avLst/>
+              </a:prstGeom>
+            </p:spPr>
+            <p:txBody>
+              <a:bodyPr wrap="square">
+                <a:spAutoFit/>
+              </a:bodyPr>
+              <a:lstStyle/>
+              <a:p>
+                <a:r>
+                  <a:rPr lang="en-US" sz="1400" dirty="0"/>
+                  <a:t>Inference Service for Machine Translation </a:t>
+                </a:r>
+              </a:p>
+              <a:p>
+                <a:r>
+                  <a:rPr lang="en-US" sz="1050" dirty="0"/>
+                  <a:t>Translates text from a source language to multiple target languages.</a:t>
+                </a:r>
+              </a:p>
+            </p:txBody>
+          </p:sp>
+          <p:sp>
+            <p:nvSpPr>
+              <p:cNvPr id="16" name="Rectangle 15">
+                <a:extLst>
+                  <a:ext uri="{FF2B5EF4-FFF2-40B4-BE49-F238E27FC236}">
+                    <a16:creationId xmlns:a16="http://schemas.microsoft.com/office/drawing/2014/main" id="{8885103A-D02A-4ED6-8ABB-1FCE1C53EDDB}"/>
+                  </a:ext>
+                </a:extLst>
+              </p:cNvPr>
+              <p:cNvSpPr/>
+              <p:nvPr/>
+            </p:nvSpPr>
+            <p:spPr>
+              <a:xfrm>
+                <a:off x="7809744" y="3145374"/>
+                <a:ext cx="4140066" cy="477054"/>
+              </a:xfrm>
+              <a:prstGeom prst="rect">
+                <a:avLst/>
+              </a:prstGeom>
+            </p:spPr>
+            <p:txBody>
+              <a:bodyPr wrap="square">
+                <a:spAutoFit/>
+              </a:bodyPr>
+              <a:lstStyle/>
+              <a:p>
+                <a:r>
+                  <a:rPr lang="en-US" sz="1400" dirty="0"/>
+                  <a:t>Inference Service for Language Detection </a:t>
+                </a:r>
+              </a:p>
+              <a:p>
+                <a:r>
+                  <a:rPr lang="en-US" sz="1050" dirty="0"/>
+                  <a:t>Detects the language of any given text.</a:t>
+                </a:r>
+              </a:p>
+            </p:txBody>
+          </p:sp>
+        </p:grpSp>
         <p:sp>
           <p:nvSpPr>
-            <p:cNvPr id="10" name="Rectangle 9">
+            <p:cNvPr id="50" name="Rectangle 49">
               <a:extLst>
                 <a:ext uri="{FF2B5EF4-FFF2-40B4-BE49-F238E27FC236}">
-                  <a16:creationId xmlns:a16="http://schemas.microsoft.com/office/drawing/2014/main" id="{7531AB1F-8785-46A7-96E8-739FDD6A3036}"/>
+                  <a16:creationId xmlns:a16="http://schemas.microsoft.com/office/drawing/2014/main" id="{E977FA34-4DCB-430C-B13E-A553627A832B}"/>
                 </a:ext>
               </a:extLst>
             </p:cNvPr>
@@ -5711,8 +5996,8 @@
           </p:nvSpPr>
           <p:spPr>
             <a:xfrm>
-              <a:off x="7809744" y="847821"/>
-              <a:ext cx="3983128" cy="646331"/>
+              <a:off x="7856399" y="722996"/>
+              <a:ext cx="4140066" cy="630942"/>
             </a:xfrm>
             <a:prstGeom prst="rect">
               <a:avLst/>
@@ -5726,242 +6011,18 @@
             <a:p>
               <a:r>
                 <a:rPr lang="en-US" sz="1400" dirty="0"/>
-                <a:t>Product Image Classification API </a:t>
+                <a:t>Inference Service for Customizable Text Classification</a:t>
               </a:r>
             </a:p>
             <a:p>
               <a:r>
                 <a:rPr lang="en-US" sz="1050" dirty="0"/>
-                <a:t>Product Image Classification classifies images into a fixed set of categories of products that are common in eCommerce.</a:t>
-              </a:r>
-              <a:endParaRPr lang="en-US" sz="1400" dirty="0"/>
-            </a:p>
-          </p:txBody>
-        </p:sp>
-        <p:sp>
-          <p:nvSpPr>
-            <p:cNvPr id="11" name="Rectangle 10">
-              <a:extLst>
-                <a:ext uri="{FF2B5EF4-FFF2-40B4-BE49-F238E27FC236}">
-                  <a16:creationId xmlns:a16="http://schemas.microsoft.com/office/drawing/2014/main" id="{AF841B1C-65EF-40ED-889B-5052FE007A1C}"/>
-                </a:ext>
-              </a:extLst>
-            </p:cNvPr>
-            <p:cNvSpPr/>
-            <p:nvPr/>
-          </p:nvSpPr>
-          <p:spPr>
-            <a:xfrm>
-              <a:off x="7809744" y="1670098"/>
-              <a:ext cx="3983128" cy="646331"/>
-            </a:xfrm>
-            <a:prstGeom prst="rect">
-              <a:avLst/>
-            </a:prstGeom>
-          </p:spPr>
-          <p:txBody>
-            <a:bodyPr wrap="square">
-              <a:spAutoFit/>
-            </a:bodyPr>
-            <a:lstStyle/>
-            <a:p>
-              <a:r>
-                <a:rPr lang="en-US" sz="1400" dirty="0"/>
-                <a:t>Product Text Classification API </a:t>
-              </a:r>
-            </a:p>
-            <a:p>
-              <a:r>
-                <a:rPr lang="en-US" sz="1050" dirty="0"/>
-                <a:t>Product Text Classification API aims at classifying each product to relevant categories based on its description.</a:t>
-              </a:r>
-            </a:p>
-          </p:txBody>
-        </p:sp>
-        <p:sp>
-          <p:nvSpPr>
-            <p:cNvPr id="12" name="Rectangle 11">
-              <a:extLst>
-                <a:ext uri="{FF2B5EF4-FFF2-40B4-BE49-F238E27FC236}">
-                  <a16:creationId xmlns:a16="http://schemas.microsoft.com/office/drawing/2014/main" id="{2F2DC706-430C-4D70-B445-A0470D73E60F}"/>
-                </a:ext>
-              </a:extLst>
-            </p:cNvPr>
-            <p:cNvSpPr/>
-            <p:nvPr/>
-          </p:nvSpPr>
-          <p:spPr>
-            <a:xfrm>
-              <a:off x="7809744" y="2492375"/>
-              <a:ext cx="4244829" cy="477054"/>
-            </a:xfrm>
-            <a:prstGeom prst="rect">
-              <a:avLst/>
-            </a:prstGeom>
-          </p:spPr>
-          <p:txBody>
-            <a:bodyPr wrap="square">
-              <a:spAutoFit/>
-            </a:bodyPr>
-            <a:lstStyle/>
-            <a:p>
-              <a:r>
-                <a:rPr lang="en-US" sz="1400" dirty="0"/>
-                <a:t>Inference Service for Machine Translation </a:t>
-              </a:r>
-            </a:p>
-            <a:p>
-              <a:r>
-                <a:rPr lang="en-US" sz="1050" dirty="0"/>
-                <a:t>Translates text from a source language to multiple target languages.</a:t>
-              </a:r>
-            </a:p>
-          </p:txBody>
-        </p:sp>
-        <p:sp>
-          <p:nvSpPr>
-            <p:cNvPr id="16" name="Rectangle 15">
-              <a:extLst>
-                <a:ext uri="{FF2B5EF4-FFF2-40B4-BE49-F238E27FC236}">
-                  <a16:creationId xmlns:a16="http://schemas.microsoft.com/office/drawing/2014/main" id="{8885103A-D02A-4ED6-8ABB-1FCE1C53EDDB}"/>
-                </a:ext>
-              </a:extLst>
-            </p:cNvPr>
-            <p:cNvSpPr/>
-            <p:nvPr/>
-          </p:nvSpPr>
-          <p:spPr>
-            <a:xfrm>
-              <a:off x="7809744" y="3145374"/>
-              <a:ext cx="4140066" cy="477054"/>
-            </a:xfrm>
-            <a:prstGeom prst="rect">
-              <a:avLst/>
-            </a:prstGeom>
-          </p:spPr>
-          <p:txBody>
-            <a:bodyPr wrap="square">
-              <a:spAutoFit/>
-            </a:bodyPr>
-            <a:lstStyle/>
-            <a:p>
-              <a:r>
-                <a:rPr lang="en-US" sz="1400" dirty="0"/>
-                <a:t>Inference Service for Language Detection </a:t>
-              </a:r>
-            </a:p>
-            <a:p>
-              <a:r>
-                <a:rPr lang="en-US" sz="1050" dirty="0"/>
-                <a:t>Detects the language of any given text.</a:t>
+                <a:t>Classifies text into set of categories, based on your customized text classification model.</a:t>
               </a:r>
             </a:p>
           </p:txBody>
         </p:sp>
       </p:grpSp>
-      <p:sp>
-        <p:nvSpPr>
-          <p:cNvPr id="48" name="Rectangle 47">
-            <a:extLst>
-              <a:ext uri="{FF2B5EF4-FFF2-40B4-BE49-F238E27FC236}">
-                <a16:creationId xmlns:a16="http://schemas.microsoft.com/office/drawing/2014/main" id="{666D3EE8-E1AA-4C7C-8953-2B49F11BDBFA}"/>
-              </a:ext>
-            </a:extLst>
-          </p:cNvPr>
-          <p:cNvSpPr/>
-          <p:nvPr/>
-        </p:nvSpPr>
-        <p:spPr>
-          <a:xfrm>
-            <a:off x="3967624" y="4854782"/>
-            <a:ext cx="902952" cy="307777"/>
-          </a:xfrm>
-          <a:prstGeom prst="rect">
-            <a:avLst/>
-          </a:prstGeom>
-        </p:spPr>
-        <p:txBody>
-          <a:bodyPr wrap="square">
-            <a:spAutoFit/>
-          </a:bodyPr>
-          <a:lstStyle/>
-          <a:p>
-            <a:r>
-              <a:rPr lang="en-US" sz="1400" dirty="0"/>
-              <a:t>Deliveries</a:t>
-            </a:r>
-          </a:p>
-        </p:txBody>
-      </p:sp>
-      <p:sp>
-        <p:nvSpPr>
-          <p:cNvPr id="51" name="Rectangle 50">
-            <a:extLst>
-              <a:ext uri="{FF2B5EF4-FFF2-40B4-BE49-F238E27FC236}">
-                <a16:creationId xmlns:a16="http://schemas.microsoft.com/office/drawing/2014/main" id="{C54E1350-FD55-49DC-84B0-16598BA5B8EA}"/>
-              </a:ext>
-            </a:extLst>
-          </p:cNvPr>
-          <p:cNvSpPr/>
-          <p:nvPr/>
-        </p:nvSpPr>
-        <p:spPr>
-          <a:xfrm>
-            <a:off x="4697796" y="5322283"/>
-            <a:ext cx="969896" cy="523220"/>
-          </a:xfrm>
-          <a:prstGeom prst="rect">
-            <a:avLst/>
-          </a:prstGeom>
-        </p:spPr>
-        <p:txBody>
-          <a:bodyPr wrap="square">
-            <a:spAutoFit/>
-          </a:bodyPr>
-          <a:lstStyle/>
-          <a:p>
-            <a:pPr algn="ctr"/>
-            <a:r>
-              <a:rPr lang="en-US" sz="1400" dirty="0"/>
-              <a:t>Retailer shop</a:t>
-            </a:r>
-          </a:p>
-        </p:txBody>
-      </p:sp>
-      <p:sp>
-        <p:nvSpPr>
-          <p:cNvPr id="49" name="Rectangle 48">
-            <a:extLst>
-              <a:ext uri="{FF2B5EF4-FFF2-40B4-BE49-F238E27FC236}">
-                <a16:creationId xmlns:a16="http://schemas.microsoft.com/office/drawing/2014/main" id="{0583BD32-CA63-4D08-9CFD-C2A492593012}"/>
-              </a:ext>
-            </a:extLst>
-          </p:cNvPr>
-          <p:cNvSpPr/>
-          <p:nvPr/>
-        </p:nvSpPr>
-        <p:spPr>
-          <a:xfrm>
-            <a:off x="7154063" y="736860"/>
-            <a:ext cx="3983128" cy="369332"/>
-          </a:xfrm>
-          <a:prstGeom prst="rect">
-            <a:avLst/>
-          </a:prstGeom>
-        </p:spPr>
-        <p:txBody>
-          <a:bodyPr wrap="square">
-            <a:spAutoFit/>
-          </a:bodyPr>
-          <a:lstStyle/>
-          <a:p>
-            <a:r>
-              <a:rPr lang="en-US" dirty="0"/>
-              <a:t>Potential APIs to be considered:</a:t>
-            </a:r>
-          </a:p>
-        </p:txBody>
-      </p:sp>
     </p:spTree>
     <p:extLst>
       <p:ext uri="{BB962C8B-B14F-4D97-AF65-F5344CB8AC3E}">

--- a/Teams/MyShop/MyShop.pptx
+++ b/Teams/MyShop/MyShop.pptx
@@ -3459,24 +3459,32 @@
         <p:spPr>
           <a:xfrm>
             <a:off x="828978" y="296176"/>
-            <a:ext cx="4497887" cy="876751"/>
+            <a:ext cx="4838714" cy="1402194"/>
           </a:xfrm>
         </p:spPr>
         <p:txBody>
           <a:bodyPr>
-            <a:normAutofit/>
+            <a:normAutofit fontScale="90000"/>
           </a:bodyPr>
           <a:lstStyle/>
           <a:p>
             <a:pPr algn="l"/>
             <a:r>
-              <a:rPr lang="en-US" sz="5400" dirty="0" err="1"/>
+              <a:rPr lang="en-US" sz="5400" dirty="0"/>
+              <a:t>Team Picturesque</a:t>
+            </a:r>
+            <a:br>
+              <a:rPr lang="en-US" sz="5400" dirty="0"/>
+            </a:br>
+            <a:r>
+              <a:rPr lang="en-US" sz="4400" dirty="0" err="1"/>
               <a:t>MyShop</a:t>
             </a:r>
             <a:r>
-              <a:rPr lang="en-US" sz="5400" dirty="0"/>
+              <a:rPr lang="en-US" sz="4400" dirty="0"/>
               <a:t>:</a:t>
             </a:r>
+            <a:endParaRPr lang="en-US" sz="5400" dirty="0"/>
           </a:p>
         </p:txBody>
       </p:sp>
@@ -4741,46 +4749,6 @@
           </a:p>
         </p:txBody>
       </p:sp>
-      <p:sp>
-        <p:nvSpPr>
-          <p:cNvPr id="2" name="Title 1">
-            <a:extLst>
-              <a:ext uri="{FF2B5EF4-FFF2-40B4-BE49-F238E27FC236}">
-                <a16:creationId xmlns:a16="http://schemas.microsoft.com/office/drawing/2014/main" id="{8D69E707-A725-4F0D-ADF5-AD6294F2A8C8}"/>
-              </a:ext>
-            </a:extLst>
-          </p:cNvPr>
-          <p:cNvSpPr>
-            <a:spLocks noGrp="1"/>
-          </p:cNvSpPr>
-          <p:nvPr>
-            <p:ph type="ctrTitle"/>
-          </p:nvPr>
-        </p:nvSpPr>
-        <p:spPr>
-          <a:xfrm>
-            <a:off x="828978" y="296176"/>
-            <a:ext cx="4497887" cy="876751"/>
-          </a:xfrm>
-        </p:spPr>
-        <p:txBody>
-          <a:bodyPr>
-            <a:normAutofit/>
-          </a:bodyPr>
-          <a:lstStyle/>
-          <a:p>
-            <a:pPr algn="l"/>
-            <a:r>
-              <a:rPr lang="en-US" sz="5400" dirty="0" err="1"/>
-              <a:t>MyShop</a:t>
-            </a:r>
-            <a:r>
-              <a:rPr lang="en-US" sz="5400" dirty="0"/>
-              <a:t>:</a:t>
-            </a:r>
-          </a:p>
-        </p:txBody>
-      </p:sp>
       <p:pic>
         <p:nvPicPr>
           <p:cNvPr id="7" name="Graphic 6" descr="Kiosk">
@@ -6023,6 +5991,69 @@
           </p:txBody>
         </p:sp>
       </p:grpSp>
+      <p:sp>
+        <p:nvSpPr>
+          <p:cNvPr id="53" name="Title 1">
+            <a:extLst>
+              <a:ext uri="{FF2B5EF4-FFF2-40B4-BE49-F238E27FC236}">
+                <a16:creationId xmlns:a16="http://schemas.microsoft.com/office/drawing/2014/main" id="{83541F63-6909-4DBC-9B7F-9580B3106C69}"/>
+              </a:ext>
+            </a:extLst>
+          </p:cNvPr>
+          <p:cNvSpPr txBox="1">
+            <a:spLocks/>
+          </p:cNvSpPr>
+          <p:nvPr/>
+        </p:nvSpPr>
+        <p:spPr>
+          <a:xfrm>
+            <a:off x="828978" y="296176"/>
+            <a:ext cx="4838714" cy="1402194"/>
+          </a:xfrm>
+          <a:prstGeom prst="rect">
+            <a:avLst/>
+          </a:prstGeom>
+        </p:spPr>
+        <p:txBody>
+          <a:bodyPr vert="horz" lIns="91440" tIns="45720" rIns="91440" bIns="45720" rtlCol="0" anchor="b">
+            <a:normAutofit fontScale="90000"/>
+          </a:bodyPr>
+          <a:lstStyle>
+            <a:lvl1pPr algn="ctr" defTabSz="914400" rtl="0" eaLnBrk="1" latinLnBrk="0" hangingPunct="1">
+              <a:lnSpc>
+                <a:spcPct val="90000"/>
+              </a:lnSpc>
+              <a:spcBef>
+                <a:spcPct val="0"/>
+              </a:spcBef>
+              <a:buNone/>
+              <a:defRPr sz="6000" kern="1200">
+                <a:solidFill>
+                  <a:schemeClr val="tx1"/>
+                </a:solidFill>
+                <a:latin typeface="+mj-lt"/>
+                <a:ea typeface="+mj-ea"/>
+                <a:cs typeface="+mj-cs"/>
+              </a:defRPr>
+            </a:lvl1pPr>
+          </a:lstStyle>
+          <a:p>
+            <a:pPr algn="l"/>
+            <a:r>
+              <a:rPr lang="en-US" sz="5400"/>
+              <a:t>Team Picturesque</a:t>
+            </a:r>
+            <a:br>
+              <a:rPr lang="en-US" sz="5400"/>
+            </a:br>
+            <a:r>
+              <a:rPr lang="en-US" sz="4400"/>
+              <a:t>MyShop:</a:t>
+            </a:r>
+            <a:endParaRPr lang="en-US" sz="5400" dirty="0"/>
+          </a:p>
+        </p:txBody>
+      </p:sp>
     </p:spTree>
     <p:extLst>
       <p:ext uri="{BB962C8B-B14F-4D97-AF65-F5344CB8AC3E}">

--- a/Teams/MyShop/MyShop.pptx
+++ b/Teams/MyShop/MyShop.pptx
@@ -3830,9 +3830,9 @@
         <p:grpSpPr>
           <a:xfrm>
             <a:off x="1896339" y="3424323"/>
-            <a:ext cx="1525547" cy="2630762"/>
+            <a:ext cx="1972560" cy="2846205"/>
             <a:chOff x="1015494" y="2140806"/>
-            <a:chExt cx="1525547" cy="2630762"/>
+            <a:chExt cx="1525547" cy="2846205"/>
           </a:xfrm>
         </p:grpSpPr>
         <p:sp>
@@ -3952,7 +3952,7 @@
           <p:spPr>
             <a:xfrm>
               <a:off x="1020126" y="4463791"/>
-              <a:ext cx="1319604" cy="307777"/>
+              <a:ext cx="1319604" cy="523220"/>
             </a:xfrm>
             <a:prstGeom prst="rect">
               <a:avLst/>
@@ -3966,7 +3966,7 @@
             <a:p>
               <a:r>
                 <a:rPr lang="en-US" sz="1400" dirty="0"/>
-                <a:t>Private artisan</a:t>
+                <a:t>Private craftsmen</a:t>
               </a:r>
             </a:p>
           </p:txBody>
@@ -5264,9 +5264,9 @@
         <p:grpSpPr>
           <a:xfrm>
             <a:off x="1896339" y="3424323"/>
-            <a:ext cx="1525547" cy="2630762"/>
+            <a:ext cx="1855104" cy="2846205"/>
             <a:chOff x="1015494" y="2140806"/>
-            <a:chExt cx="1525547" cy="2630762"/>
+            <a:chExt cx="1525547" cy="2846205"/>
           </a:xfrm>
         </p:grpSpPr>
         <p:sp>
@@ -5386,7 +5386,7 @@
           <p:spPr>
             <a:xfrm>
               <a:off x="1020126" y="4463791"/>
-              <a:ext cx="1319604" cy="307777"/>
+              <a:ext cx="1319604" cy="523220"/>
             </a:xfrm>
             <a:prstGeom prst="rect">
               <a:avLst/>
@@ -5400,7 +5400,7 @@
             <a:p>
               <a:r>
                 <a:rPr lang="en-US" sz="1400" dirty="0"/>
-                <a:t>Private artisan</a:t>
+                <a:t>Private craftsmen</a:t>
               </a:r>
             </a:p>
           </p:txBody>
@@ -6040,15 +6040,19 @@
           <a:p>
             <a:pPr algn="l"/>
             <a:r>
-              <a:rPr lang="en-US" sz="5400"/>
+              <a:rPr lang="en-US" sz="5400" dirty="0"/>
               <a:t>Team Picturesque</a:t>
             </a:r>
             <a:br>
-              <a:rPr lang="en-US" sz="5400"/>
+              <a:rPr lang="en-US" sz="5400" dirty="0"/>
             </a:br>
             <a:r>
-              <a:rPr lang="en-US" sz="4400"/>
-              <a:t>MyShop:</a:t>
+              <a:rPr lang="en-US" sz="4400" dirty="0" err="1"/>
+              <a:t>MyShop</a:t>
+            </a:r>
+            <a:r>
+              <a:rPr lang="en-US" sz="4400" dirty="0"/>
+              <a:t>:</a:t>
             </a:r>
             <a:endParaRPr lang="en-US" sz="5400" dirty="0"/>
           </a:p>
@@ -6148,7 +6152,7 @@
         </p:nvCxnSpPr>
         <p:spPr>
           <a:xfrm>
-            <a:off x="3246540" y="3083833"/>
+            <a:off x="3246540" y="3562006"/>
             <a:ext cx="1921081" cy="0"/>
           </a:xfrm>
           <a:prstGeom prst="line">
@@ -6201,7 +6205,7 @@
         </p:blipFill>
         <p:spPr>
           <a:xfrm>
-            <a:off x="3948154" y="2479354"/>
+            <a:off x="3948154" y="2957527"/>
             <a:ext cx="462628" cy="462628"/>
           </a:xfrm>
           <a:prstGeom prst="rect">
@@ -6240,7 +6244,7 @@
         </p:blipFill>
         <p:spPr>
           <a:xfrm>
-            <a:off x="2559757" y="2862954"/>
+            <a:off x="2559757" y="3341127"/>
             <a:ext cx="441758" cy="441758"/>
           </a:xfrm>
           <a:prstGeom prst="rect">
@@ -6262,7 +6266,7 @@
         </p:nvSpPr>
         <p:spPr>
           <a:xfrm>
-            <a:off x="7856399" y="1093402"/>
+            <a:off x="7856399" y="1571575"/>
             <a:ext cx="3983128" cy="307777"/>
           </a:xfrm>
           <a:prstGeom prst="rect">
@@ -6293,7 +6297,7 @@
         </p:nvSpPr>
         <p:spPr>
           <a:xfrm>
-            <a:off x="1889043" y="1652146"/>
+            <a:off x="1889043" y="2130319"/>
             <a:ext cx="3539120" cy="615553"/>
           </a:xfrm>
           <a:prstGeom prst="rect">
@@ -6324,10 +6328,10 @@
       </p:sp>
       <p:pic>
         <p:nvPicPr>
-          <p:cNvPr id="19" name="Graphic 18" descr="Checkmark">
-            <a:extLst>
-              <a:ext uri="{FF2B5EF4-FFF2-40B4-BE49-F238E27FC236}">
-                <a16:creationId xmlns:a16="http://schemas.microsoft.com/office/drawing/2014/main" id="{769BA8C2-E42B-4385-A38C-1CDEC687A1A6}"/>
+          <p:cNvPr id="53" name="Graphic 52" descr="Internet">
+            <a:extLst>
+              <a:ext uri="{FF2B5EF4-FFF2-40B4-BE49-F238E27FC236}">
+                <a16:creationId xmlns:a16="http://schemas.microsoft.com/office/drawing/2014/main" id="{B35FCDA9-0011-4A6D-B480-A9669DCD70A7}"/>
               </a:ext>
             </a:extLst>
           </p:cNvPr>
@@ -6353,20 +6357,66 @@
         </p:blipFill>
         <p:spPr>
           <a:xfrm>
-            <a:off x="5827256" y="4400206"/>
-            <a:ext cx="364854" cy="364854"/>
+            <a:off x="8555885" y="3218333"/>
+            <a:ext cx="687347" cy="687347"/>
           </a:xfrm>
           <a:prstGeom prst="rect">
             <a:avLst/>
           </a:prstGeom>
         </p:spPr>
       </p:pic>
+      <p:sp>
+        <p:nvSpPr>
+          <p:cNvPr id="55" name="Rectangle 54">
+            <a:extLst>
+              <a:ext uri="{FF2B5EF4-FFF2-40B4-BE49-F238E27FC236}">
+                <a16:creationId xmlns:a16="http://schemas.microsoft.com/office/drawing/2014/main" id="{2D2AE2B8-2EAF-4216-AC15-A4B45F830FFD}"/>
+              </a:ext>
+            </a:extLst>
+          </p:cNvPr>
+          <p:cNvSpPr/>
+          <p:nvPr/>
+        </p:nvSpPr>
+        <p:spPr>
+          <a:xfrm>
+            <a:off x="1909920" y="4376752"/>
+            <a:ext cx="3539120" cy="623248"/>
+          </a:xfrm>
+          <a:prstGeom prst="rect">
+            <a:avLst/>
+          </a:prstGeom>
+        </p:spPr>
+        <p:txBody>
+          <a:bodyPr wrap="square">
+            <a:spAutoFit/>
+          </a:bodyPr>
+          <a:lstStyle/>
+          <a:p>
+            <a:pPr algn="r"/>
+            <a:r>
+              <a:rPr lang="en-US" sz="1400" dirty="0"/>
+              <a:t>Inference Service for Machine Translation </a:t>
+            </a:r>
+          </a:p>
+          <a:p>
+            <a:pPr algn="r"/>
+            <a:r>
+              <a:rPr lang="en-US" sz="1000" dirty="0"/>
+              <a:t>Translates text from a source language to multiple target languages</a:t>
+            </a:r>
+            <a:r>
+              <a:rPr lang="en-US" sz="1050" dirty="0"/>
+              <a:t>.</a:t>
+            </a:r>
+          </a:p>
+        </p:txBody>
+      </p:sp>
       <p:pic>
         <p:nvPicPr>
-          <p:cNvPr id="23" name="Graphic 22" descr="Teacher">
-            <a:extLst>
-              <a:ext uri="{FF2B5EF4-FFF2-40B4-BE49-F238E27FC236}">
-                <a16:creationId xmlns:a16="http://schemas.microsoft.com/office/drawing/2014/main" id="{71D04BCB-426B-48DB-8C32-AEB538A19EF8}"/>
+          <p:cNvPr id="56" name="Graphic 55" descr="Head with gears">
+            <a:extLst>
+              <a:ext uri="{FF2B5EF4-FFF2-40B4-BE49-F238E27FC236}">
+                <a16:creationId xmlns:a16="http://schemas.microsoft.com/office/drawing/2014/main" id="{7C4E70EC-7F61-4939-993E-46BE97DF6959}"/>
               </a:ext>
             </a:extLst>
           </p:cNvPr>
@@ -6376,13 +6426,13 @@
           <p:nvPr/>
         </p:nvPicPr>
         <p:blipFill>
-          <a:blip r:embed="rId8">
+          <a:blip r:embed="rId2">
             <a:extLst>
               <a:ext uri="{28A0092B-C50C-407E-A947-70E740481C1C}">
                 <a14:useLocalDpi xmlns:a14="http://schemas.microsoft.com/office/drawing/2010/main" val="0"/>
               </a:ext>
               <a:ext uri="{96DAC541-7B7A-43D3-8B79-37D633B846F1}">
-                <asvg:svgBlip xmlns:asvg="http://schemas.microsoft.com/office/drawing/2016/SVG/main" r:embed="rId9"/>
+                <asvg:svgBlip xmlns:asvg="http://schemas.microsoft.com/office/drawing/2016/SVG/main" r:embed="rId3"/>
               </a:ext>
             </a:extLst>
           </a:blip>
@@ -6392,129 +6442,7 @@
         </p:blipFill>
         <p:spPr>
           <a:xfrm>
-            <a:off x="5276678" y="4353885"/>
-            <a:ext cx="461509" cy="461509"/>
-          </a:xfrm>
-          <a:prstGeom prst="rect">
-            <a:avLst/>
-          </a:prstGeom>
-        </p:spPr>
-      </p:pic>
-      <p:pic>
-        <p:nvPicPr>
-          <p:cNvPr id="53" name="Graphic 52" descr="Internet">
-            <a:extLst>
-              <a:ext uri="{FF2B5EF4-FFF2-40B4-BE49-F238E27FC236}">
-                <a16:creationId xmlns:a16="http://schemas.microsoft.com/office/drawing/2014/main" id="{B35FCDA9-0011-4A6D-B480-A9669DCD70A7}"/>
-              </a:ext>
-            </a:extLst>
-          </p:cNvPr>
-          <p:cNvPicPr>
-            <a:picLocks noChangeAspect="1"/>
-          </p:cNvPicPr>
-          <p:nvPr/>
-        </p:nvPicPr>
-        <p:blipFill>
-          <a:blip r:embed="rId10">
-            <a:extLst>
-              <a:ext uri="{28A0092B-C50C-407E-A947-70E740481C1C}">
-                <a14:useLocalDpi xmlns:a14="http://schemas.microsoft.com/office/drawing/2010/main" val="0"/>
-              </a:ext>
-              <a:ext uri="{96DAC541-7B7A-43D3-8B79-37D633B846F1}">
-                <asvg:svgBlip xmlns:asvg="http://schemas.microsoft.com/office/drawing/2016/SVG/main" r:embed="rId11"/>
-              </a:ext>
-            </a:extLst>
-          </a:blip>
-          <a:stretch>
-            <a:fillRect/>
-          </a:stretch>
-        </p:blipFill>
-        <p:spPr>
-          <a:xfrm>
-            <a:off x="8555885" y="2740160"/>
-            <a:ext cx="687347" cy="687347"/>
-          </a:xfrm>
-          <a:prstGeom prst="rect">
-            <a:avLst/>
-          </a:prstGeom>
-        </p:spPr>
-      </p:pic>
-      <p:sp>
-        <p:nvSpPr>
-          <p:cNvPr id="55" name="Rectangle 54">
-            <a:extLst>
-              <a:ext uri="{FF2B5EF4-FFF2-40B4-BE49-F238E27FC236}">
-                <a16:creationId xmlns:a16="http://schemas.microsoft.com/office/drawing/2014/main" id="{2D2AE2B8-2EAF-4216-AC15-A4B45F830FFD}"/>
-              </a:ext>
-            </a:extLst>
-          </p:cNvPr>
-          <p:cNvSpPr/>
-          <p:nvPr/>
-        </p:nvSpPr>
-        <p:spPr>
-          <a:xfrm>
-            <a:off x="6083053" y="1652146"/>
-            <a:ext cx="3539120" cy="623248"/>
-          </a:xfrm>
-          <a:prstGeom prst="rect">
-            <a:avLst/>
-          </a:prstGeom>
-        </p:spPr>
-        <p:txBody>
-          <a:bodyPr wrap="square">
-            <a:spAutoFit/>
-          </a:bodyPr>
-          <a:lstStyle/>
-          <a:p>
-            <a:r>
-              <a:rPr lang="en-US" sz="1400" dirty="0"/>
-              <a:t>Inference Service for Machine Translation </a:t>
-            </a:r>
-          </a:p>
-          <a:p>
-            <a:r>
-              <a:rPr lang="en-US" sz="1000" dirty="0"/>
-              <a:t>Translates text from a source language to multiple target languages</a:t>
-            </a:r>
-            <a:r>
-              <a:rPr lang="en-US" sz="1050" dirty="0"/>
-              <a:t>.</a:t>
-            </a:r>
-          </a:p>
-        </p:txBody>
-      </p:sp>
-      <p:pic>
-        <p:nvPicPr>
-          <p:cNvPr id="56" name="Graphic 55" descr="Head with gears">
-            <a:extLst>
-              <a:ext uri="{FF2B5EF4-FFF2-40B4-BE49-F238E27FC236}">
-                <a16:creationId xmlns:a16="http://schemas.microsoft.com/office/drawing/2014/main" id="{7C4E70EC-7F61-4939-993E-46BE97DF6959}"/>
-              </a:ext>
-            </a:extLst>
-          </p:cNvPr>
-          <p:cNvPicPr>
-            <a:picLocks noChangeAspect="1"/>
-          </p:cNvPicPr>
-          <p:nvPr/>
-        </p:nvPicPr>
-        <p:blipFill>
-          <a:blip r:embed="rId2">
-            <a:extLst>
-              <a:ext uri="{28A0092B-C50C-407E-A947-70E740481C1C}">
-                <a14:useLocalDpi xmlns:a14="http://schemas.microsoft.com/office/drawing/2010/main" val="0"/>
-              </a:ext>
-              <a:ext uri="{96DAC541-7B7A-43D3-8B79-37D633B846F1}">
-                <asvg:svgBlip xmlns:asvg="http://schemas.microsoft.com/office/drawing/2016/SVG/main" r:embed="rId3"/>
-              </a:ext>
-            </a:extLst>
-          </a:blip>
-          <a:stretch>
-            <a:fillRect/>
-          </a:stretch>
-        </p:blipFill>
-        <p:spPr>
-          <a:xfrm>
-            <a:off x="7052026" y="2479354"/>
+            <a:off x="3948154" y="3767884"/>
             <a:ext cx="462628" cy="462628"/>
           </a:xfrm>
           <a:prstGeom prst="rect">
@@ -6538,8 +6466,8 @@
         </p:nvCxnSpPr>
         <p:spPr>
           <a:xfrm flipV="1">
-            <a:off x="5778700" y="3545498"/>
-            <a:ext cx="0" cy="741276"/>
+            <a:off x="6322800" y="2732025"/>
+            <a:ext cx="673618" cy="456816"/>
           </a:xfrm>
           <a:prstGeom prst="line">
             <a:avLst/>
@@ -6560,12 +6488,152 @@
           </a:fontRef>
         </p:style>
       </p:cxnSp>
-      <p:sp>
-        <p:nvSpPr>
-          <p:cNvPr id="60" name="Rectangle 59">
-            <a:extLst>
-              <a:ext uri="{FF2B5EF4-FFF2-40B4-BE49-F238E27FC236}">
-                <a16:creationId xmlns:a16="http://schemas.microsoft.com/office/drawing/2014/main" id="{6E7773B2-3323-4353-8209-A22CCD362BBA}"/>
+      <p:grpSp>
+        <p:nvGrpSpPr>
+          <p:cNvPr id="5" name="Group 4">
+            <a:extLst>
+              <a:ext uri="{FF2B5EF4-FFF2-40B4-BE49-F238E27FC236}">
+                <a16:creationId xmlns:a16="http://schemas.microsoft.com/office/drawing/2014/main" id="{3D42D3DF-1270-40BA-9A94-6A7B5F0E4783}"/>
+              </a:ext>
+            </a:extLst>
+          </p:cNvPr>
+          <p:cNvGrpSpPr/>
+          <p:nvPr/>
+        </p:nvGrpSpPr>
+        <p:grpSpPr>
+          <a:xfrm>
+            <a:off x="6322800" y="1572850"/>
+            <a:ext cx="2799393" cy="1043506"/>
+            <a:chOff x="4483948" y="4353885"/>
+            <a:chExt cx="2799393" cy="1043506"/>
+          </a:xfrm>
+        </p:grpSpPr>
+        <p:pic>
+          <p:nvPicPr>
+            <p:cNvPr id="19" name="Graphic 18" descr="Checkmark">
+              <a:extLst>
+                <a:ext uri="{FF2B5EF4-FFF2-40B4-BE49-F238E27FC236}">
+                  <a16:creationId xmlns:a16="http://schemas.microsoft.com/office/drawing/2014/main" id="{769BA8C2-E42B-4385-A38C-1CDEC687A1A6}"/>
+                </a:ext>
+              </a:extLst>
+            </p:cNvPr>
+            <p:cNvPicPr>
+              <a:picLocks noChangeAspect="1"/>
+            </p:cNvPicPr>
+            <p:nvPr/>
+          </p:nvPicPr>
+          <p:blipFill>
+            <a:blip r:embed="rId8">
+              <a:extLst>
+                <a:ext uri="{28A0092B-C50C-407E-A947-70E740481C1C}">
+                  <a14:useLocalDpi xmlns:a14="http://schemas.microsoft.com/office/drawing/2010/main" val="0"/>
+                </a:ext>
+                <a:ext uri="{96DAC541-7B7A-43D3-8B79-37D633B846F1}">
+                  <asvg:svgBlip xmlns:asvg="http://schemas.microsoft.com/office/drawing/2016/SVG/main" r:embed="rId9"/>
+                </a:ext>
+              </a:extLst>
+            </a:blip>
+            <a:stretch>
+              <a:fillRect/>
+            </a:stretch>
+          </p:blipFill>
+          <p:spPr>
+            <a:xfrm>
+              <a:off x="5827256" y="4400206"/>
+              <a:ext cx="364854" cy="364854"/>
+            </a:xfrm>
+            <a:prstGeom prst="rect">
+              <a:avLst/>
+            </a:prstGeom>
+          </p:spPr>
+        </p:pic>
+        <p:pic>
+          <p:nvPicPr>
+            <p:cNvPr id="23" name="Graphic 22" descr="Teacher">
+              <a:extLst>
+                <a:ext uri="{FF2B5EF4-FFF2-40B4-BE49-F238E27FC236}">
+                  <a16:creationId xmlns:a16="http://schemas.microsoft.com/office/drawing/2014/main" id="{71D04BCB-426B-48DB-8C32-AEB538A19EF8}"/>
+                </a:ext>
+              </a:extLst>
+            </p:cNvPr>
+            <p:cNvPicPr>
+              <a:picLocks noChangeAspect="1"/>
+            </p:cNvPicPr>
+            <p:nvPr/>
+          </p:nvPicPr>
+          <p:blipFill>
+            <a:blip r:embed="rId10">
+              <a:extLst>
+                <a:ext uri="{28A0092B-C50C-407E-A947-70E740481C1C}">
+                  <a14:useLocalDpi xmlns:a14="http://schemas.microsoft.com/office/drawing/2010/main" val="0"/>
+                </a:ext>
+                <a:ext uri="{96DAC541-7B7A-43D3-8B79-37D633B846F1}">
+                  <asvg:svgBlip xmlns:asvg="http://schemas.microsoft.com/office/drawing/2016/SVG/main" r:embed="rId11"/>
+                </a:ext>
+              </a:extLst>
+            </a:blip>
+            <a:stretch>
+              <a:fillRect/>
+            </a:stretch>
+          </p:blipFill>
+          <p:spPr>
+            <a:xfrm>
+              <a:off x="5276678" y="4353885"/>
+              <a:ext cx="461509" cy="461509"/>
+            </a:xfrm>
+            <a:prstGeom prst="rect">
+              <a:avLst/>
+            </a:prstGeom>
+          </p:spPr>
+        </p:pic>
+        <p:sp>
+          <p:nvSpPr>
+            <p:cNvPr id="60" name="Rectangle 59">
+              <a:extLst>
+                <a:ext uri="{FF2B5EF4-FFF2-40B4-BE49-F238E27FC236}">
+                  <a16:creationId xmlns:a16="http://schemas.microsoft.com/office/drawing/2014/main" id="{6E7773B2-3323-4353-8209-A22CCD362BBA}"/>
+                </a:ext>
+              </a:extLst>
+            </p:cNvPr>
+            <p:cNvSpPr/>
+            <p:nvPr/>
+          </p:nvSpPr>
+          <p:spPr>
+            <a:xfrm>
+              <a:off x="4483948" y="4781838"/>
+              <a:ext cx="2799393" cy="615553"/>
+            </a:xfrm>
+            <a:prstGeom prst="rect">
+              <a:avLst/>
+            </a:prstGeom>
+          </p:spPr>
+          <p:txBody>
+            <a:bodyPr wrap="square">
+              <a:spAutoFit/>
+            </a:bodyPr>
+            <a:lstStyle/>
+            <a:p>
+              <a:r>
+                <a:rPr lang="en-US" sz="1400" dirty="0"/>
+                <a:t>Human validation</a:t>
+              </a:r>
+            </a:p>
+            <a:p>
+              <a:r>
+                <a:rPr lang="en-US" sz="1000" dirty="0"/>
+                <a:t>Employee validates the proposed product category classification and description in English</a:t>
+              </a:r>
+              <a:endParaRPr lang="en-US" sz="1000" b="1" dirty="0"/>
+            </a:p>
+          </p:txBody>
+        </p:sp>
+      </p:grpSp>
+      <p:sp>
+        <p:nvSpPr>
+          <p:cNvPr id="61" name="Rectangle 60">
+            <a:extLst>
+              <a:ext uri="{FF2B5EF4-FFF2-40B4-BE49-F238E27FC236}">
+                <a16:creationId xmlns:a16="http://schemas.microsoft.com/office/drawing/2014/main" id="{E340A702-E5CC-459C-A692-59716C8EA5E5}"/>
               </a:ext>
             </a:extLst>
           </p:cNvPr>
@@ -6574,48 +6642,7 @@
         </p:nvSpPr>
         <p:spPr>
           <a:xfrm>
-            <a:off x="4483948" y="4781838"/>
-            <a:ext cx="2799393" cy="615553"/>
-          </a:xfrm>
-          <a:prstGeom prst="rect">
-            <a:avLst/>
-          </a:prstGeom>
-        </p:spPr>
-        <p:txBody>
-          <a:bodyPr wrap="square">
-            <a:spAutoFit/>
-          </a:bodyPr>
-          <a:lstStyle/>
-          <a:p>
-            <a:r>
-              <a:rPr lang="en-US" sz="1400" dirty="0"/>
-              <a:t>Human validation</a:t>
-            </a:r>
-          </a:p>
-          <a:p>
-            <a:r>
-              <a:rPr lang="en-US" sz="1000" dirty="0"/>
-              <a:t>Employee validates the proposed product category classification and description in English</a:t>
-            </a:r>
-            <a:endParaRPr lang="en-US" sz="1000" b="1" dirty="0"/>
-          </a:p>
-        </p:txBody>
-      </p:sp>
-      <p:sp>
-        <p:nvSpPr>
-          <p:cNvPr id="61" name="Rectangle 60">
-            <a:extLst>
-              <a:ext uri="{FF2B5EF4-FFF2-40B4-BE49-F238E27FC236}">
-                <a16:creationId xmlns:a16="http://schemas.microsoft.com/office/drawing/2014/main" id="{E340A702-E5CC-459C-A692-59716C8EA5E5}"/>
-              </a:ext>
-            </a:extLst>
-          </p:cNvPr>
-          <p:cNvSpPr/>
-          <p:nvPr/>
-        </p:nvSpPr>
-        <p:spPr>
-          <a:xfrm>
-            <a:off x="490243" y="2787306"/>
+            <a:off x="490243" y="3265479"/>
             <a:ext cx="1756600" cy="615553"/>
           </a:xfrm>
           <a:prstGeom prst="rect">
@@ -6658,7 +6685,7 @@
         </p:nvCxnSpPr>
         <p:spPr>
           <a:xfrm>
-            <a:off x="6322800" y="3083833"/>
+            <a:off x="6322800" y="3562006"/>
             <a:ext cx="1921081" cy="0"/>
           </a:xfrm>
           <a:prstGeom prst="line">
@@ -6694,7 +6721,7 @@
         </p:nvSpPr>
         <p:spPr>
           <a:xfrm>
-            <a:off x="9555236" y="2622168"/>
+            <a:off x="9555236" y="3100341"/>
             <a:ext cx="2074739" cy="769441"/>
           </a:xfrm>
           <a:prstGeom prst="rect">
@@ -6739,7 +6766,7 @@
         </p:nvCxnSpPr>
         <p:spPr>
           <a:xfrm>
-            <a:off x="6322800" y="3427507"/>
+            <a:off x="6322800" y="3905680"/>
             <a:ext cx="1914089" cy="1123576"/>
           </a:xfrm>
           <a:prstGeom prst="line">
@@ -6792,7 +6819,7 @@
         </p:blipFill>
         <p:spPr>
           <a:xfrm>
-            <a:off x="5460402" y="2770190"/>
+            <a:off x="5460402" y="3248363"/>
             <a:ext cx="647980" cy="647980"/>
           </a:xfrm>
           <a:prstGeom prst="rect">
@@ -6831,7 +6858,7 @@
         </p:blipFill>
         <p:spPr>
           <a:xfrm>
-            <a:off x="8577065" y="4320329"/>
+            <a:off x="8577065" y="4798502"/>
             <a:ext cx="637994" cy="637994"/>
           </a:xfrm>
           <a:prstGeom prst="rect">
@@ -6853,7 +6880,7 @@
         </p:nvSpPr>
         <p:spPr>
           <a:xfrm>
-            <a:off x="9555236" y="4171102"/>
+            <a:off x="9555236" y="4649275"/>
             <a:ext cx="2284292" cy="769441"/>
           </a:xfrm>
           <a:prstGeom prst="rect">
@@ -6897,7 +6924,7 @@
         </p:nvCxnSpPr>
         <p:spPr>
           <a:xfrm flipH="1">
-            <a:off x="8896062" y="3427507"/>
+            <a:off x="8896062" y="3905680"/>
             <a:ext cx="3497" cy="892822"/>
           </a:xfrm>
           <a:prstGeom prst="line">
